--- a/Präsentation/Stereo VR.pptx
+++ b/Präsentation/Stereo VR.pptx
@@ -17,10 +17,13 @@
     <p:sldId id="259" r:id="rId20"/>
     <p:sldId id="270" r:id="rId21"/>
     <p:sldId id="271" r:id="rId22"/>
-    <p:sldId id="263" r:id="rId23"/>
-    <p:sldId id="260" r:id="rId24"/>
-    <p:sldId id="272" r:id="rId25"/>
-    <p:sldId id="273" r:id="rId26"/>
+    <p:sldId id="274" r:id="rId23"/>
+    <p:sldId id="263" r:id="rId24"/>
+    <p:sldId id="260" r:id="rId25"/>
+    <p:sldId id="272" r:id="rId26"/>
+    <p:sldId id="273" r:id="rId27"/>
+    <p:sldId id="275" r:id="rId28"/>
+    <p:sldId id="276" r:id="rId29"/>
   </p:sldIdLst>
   <p:sldSz cx="12192000" cy="6858000"/>
   <p:notesSz cx="6858000" cy="9144000"/>
@@ -144,6 +147,7 @@
             <p14:sldId id="259"/>
             <p14:sldId id="270"/>
             <p14:sldId id="271"/>
+            <p14:sldId id="274"/>
             <p14:sldId id="263"/>
           </p14:sldIdLst>
         </p14:section>
@@ -152,9 +156,14 @@
             <p14:sldId id="260"/>
             <p14:sldId id="272"/>
             <p14:sldId id="273"/>
+            <p14:sldId id="275"/>
+            <p14:sldId id="276"/>
           </p14:sldIdLst>
         </p14:section>
       </p14:sectionLst>
+    </p:ext>
+    <p:ext uri="{EFAFB233-063F-42B5-8137-9DF3F51BA10A}">
+      <p15:sldGuideLst xmlns:p15="http://schemas.microsoft.com/office/powerpoint/2012/main"/>
     </p:ext>
   </p:extLst>
 </p:presentation>
@@ -4253,14 +4262,54 @@
           <a:lstStyle/>
           <a:p>
             <a:r>
+              <a:rPr lang="de-DE" dirty="0" err="1"/>
+              <a:t>Augmented</a:t>
+            </a:r>
+            <a:r>
               <a:rPr lang="de-DE" dirty="0"/>
-              <a:t>AR</a:t>
-            </a:r>
-          </a:p>
-          <a:p>
+              <a:t> Reality</a:t>
+            </a:r>
+          </a:p>
+          <a:p>
+            <a:pPr lvl="1"/>
             <a:r>
               <a:rPr lang="de-DE" dirty="0"/>
-              <a:t>VR</a:t>
+              <a:t>Erweiterung der Realität</a:t>
+            </a:r>
+          </a:p>
+          <a:p>
+            <a:pPr lvl="1"/>
+            <a:r>
+              <a:rPr lang="de-DE" dirty="0"/>
+              <a:t>Bekanntester Anbieter: Microsoft (</a:t>
+            </a:r>
+            <a:r>
+              <a:rPr lang="de-DE" dirty="0" err="1"/>
+              <a:t>Hololens</a:t>
+            </a:r>
+            <a:r>
+              <a:rPr lang="de-DE" dirty="0"/>
+              <a:t>)</a:t>
+            </a:r>
+          </a:p>
+          <a:p>
+            <a:r>
+              <a:rPr lang="de-DE" dirty="0"/>
+              <a:t>Virtual Reality</a:t>
+            </a:r>
+          </a:p>
+          <a:p>
+            <a:pPr lvl="1"/>
+            <a:r>
+              <a:rPr lang="de-DE" dirty="0"/>
+              <a:t>Immersion in eine virtuelle Welt</a:t>
+            </a:r>
+          </a:p>
+          <a:p>
+            <a:pPr lvl="1"/>
+            <a:r>
+              <a:rPr lang="de-DE" dirty="0"/>
+              <a:t>Bekannteste Anbieter: HTV, Oculus VR, Sony, Samsung</a:t>
             </a:r>
             <a:endParaRPr lang="en-GB" dirty="0"/>
           </a:p>
@@ -4385,12 +4434,6 @@
           <a:p>
             <a:r>
               <a:rPr lang="de-DE" dirty="0"/>
-              <a:t>Erweiterung der Realität</a:t>
-            </a:r>
-          </a:p>
-          <a:p>
-            <a:r>
-              <a:rPr lang="de-DE" dirty="0"/>
               <a:t>Sehr teuer</a:t>
             </a:r>
           </a:p>
@@ -4404,6 +4447,18 @@
             <a:r>
               <a:rPr lang="de-DE" dirty="0"/>
               <a:t>Unausgereift</a:t>
+            </a:r>
+          </a:p>
+          <a:p>
+            <a:r>
+              <a:rPr lang="de-DE" dirty="0"/>
+              <a:t>Tracking durch Kamera</a:t>
+            </a:r>
+          </a:p>
+          <a:p>
+            <a:r>
+              <a:rPr lang="de-DE" dirty="0"/>
+              <a:t>Interaktion durch Hände</a:t>
             </a:r>
           </a:p>
           <a:p>
@@ -4473,17 +4528,6 @@
           <a:p>
             <a:r>
               <a:rPr lang="de-DE" dirty="0"/>
-              <a:t>Immersion in eine </a:t>
-            </a:r>
-            <a:r>
-              <a:rPr lang="de-DE"/>
-              <a:t>virtuelle Welt</a:t>
-            </a:r>
-            <a:endParaRPr lang="de-DE" dirty="0"/>
-          </a:p>
-          <a:p>
-            <a:r>
-              <a:rPr lang="de-DE" dirty="0"/>
               <a:t>Teuer</a:t>
             </a:r>
           </a:p>
@@ -4497,6 +4541,18 @@
             <a:r>
               <a:rPr lang="de-DE" dirty="0"/>
               <a:t>Relativ ausgereift</a:t>
+            </a:r>
+          </a:p>
+          <a:p>
+            <a:r>
+              <a:rPr lang="de-DE" dirty="0"/>
+              <a:t>Tracking durch Sensoren</a:t>
+            </a:r>
+          </a:p>
+          <a:p>
+            <a:r>
+              <a:rPr lang="de-DE" dirty="0"/>
+              <a:t>Interaktion durch Controller</a:t>
             </a:r>
           </a:p>
           <a:p>
@@ -4543,6 +4599,173 @@
           <p:cNvPr id="2" name="Titel 1">
             <a:extLst>
               <a:ext uri="{FF2B5EF4-FFF2-40B4-BE49-F238E27FC236}">
+                <a16:creationId xmlns:a16="http://schemas.microsoft.com/office/drawing/2014/main" id="{9FB27129-3400-4FA0-BB36-D18C58B9CE6F}"/>
+              </a:ext>
+            </a:extLst>
+          </p:cNvPr>
+          <p:cNvSpPr>
+            <a:spLocks noGrp="1"/>
+          </p:cNvSpPr>
+          <p:nvPr>
+            <p:ph type="title"/>
+          </p:nvPr>
+        </p:nvSpPr>
+        <p:spPr/>
+        <p:txBody>
+          <a:bodyPr/>
+          <a:lstStyle/>
+          <a:p>
+            <a:r>
+              <a:rPr lang="de-DE" dirty="0"/>
+              <a:t>Wahl der Brille</a:t>
+            </a:r>
+            <a:endParaRPr lang="en-GB" dirty="0"/>
+          </a:p>
+        </p:txBody>
+      </p:sp>
+      <p:sp>
+        <p:nvSpPr>
+          <p:cNvPr id="3" name="Textplatzhalter 2">
+            <a:extLst>
+              <a:ext uri="{FF2B5EF4-FFF2-40B4-BE49-F238E27FC236}">
+                <a16:creationId xmlns:a16="http://schemas.microsoft.com/office/drawing/2014/main" id="{E3EB3286-39B0-4162-9430-6AC051971507}"/>
+              </a:ext>
+            </a:extLst>
+          </p:cNvPr>
+          <p:cNvSpPr>
+            <a:spLocks noGrp="1"/>
+          </p:cNvSpPr>
+          <p:nvPr>
+            <p:ph type="body" idx="1"/>
+          </p:nvPr>
+        </p:nvSpPr>
+        <p:spPr/>
+        <p:txBody>
+          <a:bodyPr/>
+          <a:lstStyle/>
+          <a:p>
+            <a:r>
+              <a:rPr lang="de-DE" dirty="0"/>
+              <a:t>HTC Vive</a:t>
+            </a:r>
+            <a:endParaRPr lang="en-GB" dirty="0"/>
+          </a:p>
+        </p:txBody>
+      </p:sp>
+      <p:sp>
+        <p:nvSpPr>
+          <p:cNvPr id="4" name="Inhaltsplatzhalter 3">
+            <a:extLst>
+              <a:ext uri="{FF2B5EF4-FFF2-40B4-BE49-F238E27FC236}">
+                <a16:creationId xmlns:a16="http://schemas.microsoft.com/office/drawing/2014/main" id="{EDE19CDE-24C7-400C-8432-E5FF6C23FC90}"/>
+              </a:ext>
+            </a:extLst>
+          </p:cNvPr>
+          <p:cNvSpPr>
+            <a:spLocks noGrp="1"/>
+          </p:cNvSpPr>
+          <p:nvPr>
+            <p:ph sz="half" idx="2"/>
+          </p:nvPr>
+        </p:nvSpPr>
+        <p:spPr/>
+        <p:txBody>
+          <a:bodyPr/>
+          <a:lstStyle/>
+          <a:p>
+            <a:endParaRPr lang="en-GB"/>
+          </a:p>
+        </p:txBody>
+      </p:sp>
+      <p:sp>
+        <p:nvSpPr>
+          <p:cNvPr id="5" name="Textplatzhalter 4">
+            <a:extLst>
+              <a:ext uri="{FF2B5EF4-FFF2-40B4-BE49-F238E27FC236}">
+                <a16:creationId xmlns:a16="http://schemas.microsoft.com/office/drawing/2014/main" id="{8059B104-3E21-4113-95E6-40635564B7D0}"/>
+              </a:ext>
+            </a:extLst>
+          </p:cNvPr>
+          <p:cNvSpPr>
+            <a:spLocks noGrp="1"/>
+          </p:cNvSpPr>
+          <p:nvPr>
+            <p:ph type="body" sz="quarter" idx="3"/>
+          </p:nvPr>
+        </p:nvSpPr>
+        <p:spPr/>
+        <p:txBody>
+          <a:bodyPr/>
+          <a:lstStyle/>
+          <a:p>
+            <a:r>
+              <a:rPr lang="de-DE" dirty="0"/>
+              <a:t>Oculus Rift</a:t>
+            </a:r>
+            <a:endParaRPr lang="en-GB" dirty="0"/>
+          </a:p>
+        </p:txBody>
+      </p:sp>
+      <p:sp>
+        <p:nvSpPr>
+          <p:cNvPr id="6" name="Inhaltsplatzhalter 5">
+            <a:extLst>
+              <a:ext uri="{FF2B5EF4-FFF2-40B4-BE49-F238E27FC236}">
+                <a16:creationId xmlns:a16="http://schemas.microsoft.com/office/drawing/2014/main" id="{062B5DD2-8820-4984-A932-9C52E3D7E2F7}"/>
+              </a:ext>
+            </a:extLst>
+          </p:cNvPr>
+          <p:cNvSpPr>
+            <a:spLocks noGrp="1"/>
+          </p:cNvSpPr>
+          <p:nvPr>
+            <p:ph sz="quarter" idx="4"/>
+          </p:nvPr>
+        </p:nvSpPr>
+        <p:spPr/>
+        <p:txBody>
+          <a:bodyPr/>
+          <a:lstStyle/>
+          <a:p>
+            <a:endParaRPr lang="en-GB"/>
+          </a:p>
+        </p:txBody>
+      </p:sp>
+    </p:spTree>
+    <p:extLst>
+      <p:ext uri="{BB962C8B-B14F-4D97-AF65-F5344CB8AC3E}">
+        <p14:creationId xmlns:p14="http://schemas.microsoft.com/office/powerpoint/2010/main" val="2785548890"/>
+      </p:ext>
+    </p:extLst>
+  </p:cSld>
+  <p:clrMapOvr>
+    <a:masterClrMapping/>
+  </p:clrMapOvr>
+</p:sld>
+</file>
+
+<file path=ppt/slides/slide14.xml><?xml version="1.0" encoding="utf-8"?>
+<p:sld xmlns:a="http://schemas.openxmlformats.org/drawingml/2006/main" xmlns:r="http://schemas.openxmlformats.org/officeDocument/2006/relationships" xmlns:p="http://schemas.openxmlformats.org/presentationml/2006/main">
+  <p:cSld>
+    <p:spTree>
+      <p:nvGrpSpPr>
+        <p:cNvPr id="1" name=""/>
+        <p:cNvGrpSpPr/>
+        <p:nvPr/>
+      </p:nvGrpSpPr>
+      <p:grpSpPr>
+        <a:xfrm>
+          <a:off x="0" y="0"/>
+          <a:ext cx="0" cy="0"/>
+          <a:chOff x="0" y="0"/>
+          <a:chExt cx="0" cy="0"/>
+        </a:xfrm>
+      </p:grpSpPr>
+      <p:sp>
+        <p:nvSpPr>
+          <p:cNvPr id="2" name="Titel 1">
+            <a:extLst>
+              <a:ext uri="{FF2B5EF4-FFF2-40B4-BE49-F238E27FC236}">
                 <a16:creationId xmlns:a16="http://schemas.microsoft.com/office/drawing/2014/main" id="{D4E2CA2B-F3FD-4ED0-BB80-1BC000C3EE50}"/>
               </a:ext>
             </a:extLst>
@@ -4567,8 +4790,8 @@
           </a:p>
         </p:txBody>
       </p:sp>
-      <mc:AlternateContent xmlns:mc="http://schemas.openxmlformats.org/markup-compatibility/2006">
-        <mc:Choice xmlns:pslz="http://schemas.microsoft.com/office/powerpoint/2016/slidezoom" Requires="pslz">
+      <mc:AlternateContent xmlns:mc="http://schemas.openxmlformats.org/markup-compatibility/2006" xmlns:pslz="http://schemas.microsoft.com/office/powerpoint/2016/slidezoom">
+        <mc:Choice Requires="pslz">
           <p:graphicFrame>
             <p:nvGraphicFramePr>
               <p:cNvPr id="5" name="Folienzoom 4">
@@ -4641,7 +4864,7 @@
             </a:graphic>
           </p:graphicFrame>
         </mc:Choice>
-        <mc:Fallback>
+        <mc:Fallback xmlns="">
           <p:pic>
             <p:nvPicPr>
               <p:cNvPr id="5" name="Folienzoom 4">
@@ -4658,7 +4881,7 @@
               <p:nvPr/>
             </p:nvPicPr>
             <p:blipFill>
-              <a:blip r:embed="rId2"/>
+              <a:blip r:embed="rId4"/>
               <a:stretch>
                 <a:fillRect/>
               </a:stretch>
@@ -4696,8 +4919,8 @@
           </p:pic>
         </mc:Fallback>
       </mc:AlternateContent>
-      <mc:AlternateContent xmlns:mc="http://schemas.openxmlformats.org/markup-compatibility/2006">
-        <mc:Choice xmlns:pslz="http://schemas.microsoft.com/office/powerpoint/2016/slidezoom" Requires="pslz">
+      <mc:AlternateContent xmlns:mc="http://schemas.openxmlformats.org/markup-compatibility/2006" xmlns:pslz="http://schemas.microsoft.com/office/powerpoint/2016/slidezoom">
+        <mc:Choice Requires="pslz">
           <p:graphicFrame>
             <p:nvGraphicFramePr>
               <p:cNvPr id="7" name="Folienzoom 6">
@@ -4728,7 +4951,7 @@
                   <pslz:sldZmObj sldId="259" cId="3161220688">
                     <pslz:zmPr id="{6A00781B-4AA3-492E-96E6-01FC24411B39}" returnToParent="0" transitionDur="1000">
                       <p166:blipFill xmlns:p166="http://schemas.microsoft.com/office/powerpoint/2016/6/main">
-                        <a:blip r:embed="rId4"/>
+                        <a:blip r:embed="rId5"/>
                         <a:stretch>
                           <a:fillRect/>
                         </a:stretch>
@@ -4770,11 +4993,11 @@
             </a:graphic>
           </p:graphicFrame>
         </mc:Choice>
-        <mc:Fallback>
+        <mc:Fallback xmlns="">
           <p:pic>
             <p:nvPicPr>
               <p:cNvPr id="7" name="Folienzoom 6">
-                <a:hlinkClick r:id="rId5" action="ppaction://hlinksldjump"/>
+                <a:hlinkClick r:id="rId6" action="ppaction://hlinksldjump"/>
                 <a:extLst>
                   <a:ext uri="{FF2B5EF4-FFF2-40B4-BE49-F238E27FC236}">
                     <a16:creationId xmlns:a16="http://schemas.microsoft.com/office/drawing/2014/main" id="{AF27510A-BC67-4484-9717-84798F61A461}"/>
@@ -4787,7 +5010,7 @@
               <p:nvPr/>
             </p:nvPicPr>
             <p:blipFill>
-              <a:blip r:embed="rId4"/>
+              <a:blip r:embed="rId7"/>
               <a:stretch>
                 <a:fillRect/>
               </a:stretch>
@@ -4825,8 +5048,8 @@
           </p:pic>
         </mc:Fallback>
       </mc:AlternateContent>
-      <mc:AlternateContent xmlns:mc="http://schemas.openxmlformats.org/markup-compatibility/2006">
-        <mc:Choice xmlns:pslz="http://schemas.microsoft.com/office/powerpoint/2016/slidezoom" Requires="pslz">
+      <mc:AlternateContent xmlns:mc="http://schemas.openxmlformats.org/markup-compatibility/2006" xmlns:pslz="http://schemas.microsoft.com/office/powerpoint/2016/slidezoom">
+        <mc:Choice Requires="pslz">
           <p:graphicFrame>
             <p:nvGraphicFramePr>
               <p:cNvPr id="9" name="Folienzoom 8">
@@ -4851,7 +5074,7 @@
                   <pslz:sldZmObj sldId="260" cId="140476505">
                     <pslz:zmPr id="{9A439B14-AD6F-46A4-9CBC-1F63037BD12E}" returnToParent="0" transitionDur="1000">
                       <p166:blipFill xmlns:p166="http://schemas.microsoft.com/office/powerpoint/2016/6/main">
-                        <a:blip r:embed="rId6"/>
+                        <a:blip r:embed="rId8"/>
                         <a:stretch>
                           <a:fillRect/>
                         </a:stretch>
@@ -4893,11 +5116,11 @@
             </a:graphic>
           </p:graphicFrame>
         </mc:Choice>
-        <mc:Fallback>
+        <mc:Fallback xmlns="">
           <p:pic>
             <p:nvPicPr>
               <p:cNvPr id="9" name="Folienzoom 8">
-                <a:hlinkClick r:id="rId7" action="ppaction://hlinksldjump"/>
+                <a:hlinkClick r:id="rId9" action="ppaction://hlinksldjump"/>
                 <a:extLst>
                   <a:ext uri="{FF2B5EF4-FFF2-40B4-BE49-F238E27FC236}">
                     <a16:creationId xmlns:a16="http://schemas.microsoft.com/office/drawing/2014/main" id="{D93FDC14-283C-49C8-BDD0-636C7E93A0BE}"/>
@@ -4910,7 +5133,7 @@
               <p:nvPr/>
             </p:nvPicPr>
             <p:blipFill>
-              <a:blip r:embed="rId6"/>
+              <a:blip r:embed="rId10"/>
               <a:stretch>
                 <a:fillRect/>
               </a:stretch>
@@ -4961,94 +5184,6 @@
 </p:sld>
 </file>
 
-<file path=ppt/slides/slide14.xml><?xml version="1.0" encoding="utf-8"?>
-<p:sld xmlns:a="http://schemas.openxmlformats.org/drawingml/2006/main" xmlns:r="http://schemas.openxmlformats.org/officeDocument/2006/relationships" xmlns:p="http://schemas.openxmlformats.org/presentationml/2006/main">
-  <p:cSld>
-    <p:spTree>
-      <p:nvGrpSpPr>
-        <p:cNvPr id="1" name=""/>
-        <p:cNvGrpSpPr/>
-        <p:nvPr/>
-      </p:nvGrpSpPr>
-      <p:grpSpPr>
-        <a:xfrm>
-          <a:off x="0" y="0"/>
-          <a:ext cx="0" cy="0"/>
-          <a:chOff x="0" y="0"/>
-          <a:chExt cx="0" cy="0"/>
-        </a:xfrm>
-      </p:grpSpPr>
-      <p:sp>
-        <p:nvSpPr>
-          <p:cNvPr id="2" name="Titel 1">
-            <a:extLst>
-              <a:ext uri="{FF2B5EF4-FFF2-40B4-BE49-F238E27FC236}">
-                <a16:creationId xmlns:a16="http://schemas.microsoft.com/office/drawing/2014/main" id="{83443DA4-DB90-42F3-B91D-5C71CC6DC5A8}"/>
-              </a:ext>
-            </a:extLst>
-          </p:cNvPr>
-          <p:cNvSpPr>
-            <a:spLocks noGrp="1"/>
-          </p:cNvSpPr>
-          <p:nvPr>
-            <p:ph type="title"/>
-          </p:nvPr>
-        </p:nvSpPr>
-        <p:spPr/>
-        <p:txBody>
-          <a:bodyPr/>
-          <a:lstStyle/>
-          <a:p>
-            <a:r>
-              <a:rPr lang="de-DE" dirty="0"/>
-              <a:t>Die Werkstatt</a:t>
-            </a:r>
-            <a:endParaRPr lang="en-GB" dirty="0"/>
-          </a:p>
-        </p:txBody>
-      </p:sp>
-      <p:sp>
-        <p:nvSpPr>
-          <p:cNvPr id="3" name="Textplatzhalter 2">
-            <a:extLst>
-              <a:ext uri="{FF2B5EF4-FFF2-40B4-BE49-F238E27FC236}">
-                <a16:creationId xmlns:a16="http://schemas.microsoft.com/office/drawing/2014/main" id="{40709D07-4B0B-4C9C-A887-2915E56038D3}"/>
-              </a:ext>
-            </a:extLst>
-          </p:cNvPr>
-          <p:cNvSpPr>
-            <a:spLocks noGrp="1"/>
-          </p:cNvSpPr>
-          <p:nvPr>
-            <p:ph type="body" idx="1"/>
-          </p:nvPr>
-        </p:nvSpPr>
-        <p:spPr/>
-        <p:txBody>
-          <a:bodyPr/>
-          <a:lstStyle/>
-          <a:p>
-            <a:r>
-              <a:rPr lang="de-DE" dirty="0"/>
-              <a:t>Eine Präsentationsfertige Szene</a:t>
-            </a:r>
-            <a:endParaRPr lang="en-GB" dirty="0"/>
-          </a:p>
-        </p:txBody>
-      </p:sp>
-    </p:spTree>
-    <p:extLst>
-      <p:ext uri="{BB962C8B-B14F-4D97-AF65-F5344CB8AC3E}">
-        <p14:creationId xmlns:p14="http://schemas.microsoft.com/office/powerpoint/2010/main" val="140476505"/>
-      </p:ext>
-    </p:extLst>
-  </p:cSld>
-  <p:clrMapOvr>
-    <a:masterClrMapping/>
-  </p:clrMapOvr>
-</p:sld>
-</file>
-
 <file path=ppt/slides/slide15.xml><?xml version="1.0" encoding="utf-8"?>
 <p:sld xmlns:a="http://schemas.openxmlformats.org/drawingml/2006/main" xmlns:r="http://schemas.openxmlformats.org/officeDocument/2006/relationships" xmlns:p="http://schemas.openxmlformats.org/presentationml/2006/main">
   <p:cSld>
@@ -5071,7 +5206,7 @@
           <p:cNvPr id="2" name="Titel 1">
             <a:extLst>
               <a:ext uri="{FF2B5EF4-FFF2-40B4-BE49-F238E27FC236}">
-                <a16:creationId xmlns:a16="http://schemas.microsoft.com/office/drawing/2014/main" id="{18525874-A063-4969-A5AF-619D403A8E31}"/>
+                <a16:creationId xmlns:a16="http://schemas.microsoft.com/office/drawing/2014/main" id="{83443DA4-DB90-42F3-B91D-5C71CC6DC5A8}"/>
               </a:ext>
             </a:extLst>
           </p:cNvPr>
@@ -5089,7 +5224,7 @@
           <a:p>
             <a:r>
               <a:rPr lang="de-DE" dirty="0"/>
-              <a:t>Vision</a:t>
+              <a:t>Die Werkstatt</a:t>
             </a:r>
             <a:endParaRPr lang="en-GB" dirty="0"/>
           </a:p>
@@ -5097,10 +5232,10 @@
       </p:sp>
       <p:sp>
         <p:nvSpPr>
-          <p:cNvPr id="3" name="Inhaltsplatzhalter 2">
+          <p:cNvPr id="3" name="Textplatzhalter 2">
             <a:extLst>
               <a:ext uri="{FF2B5EF4-FFF2-40B4-BE49-F238E27FC236}">
-                <a16:creationId xmlns:a16="http://schemas.microsoft.com/office/drawing/2014/main" id="{95658962-CAE7-43B2-9B19-CA2E542B531A}"/>
+                <a16:creationId xmlns:a16="http://schemas.microsoft.com/office/drawing/2014/main" id="{40709D07-4B0B-4C9C-A887-2915E56038D3}"/>
               </a:ext>
             </a:extLst>
           </p:cNvPr>
@@ -5108,22 +5243,26 @@
             <a:spLocks noGrp="1"/>
           </p:cNvSpPr>
           <p:nvPr>
-            <p:ph idx="1"/>
-          </p:nvPr>
-        </p:nvSpPr>
-        <p:spPr/>
-        <p:txBody>
-          <a:bodyPr/>
-          <a:lstStyle/>
-          <a:p>
-            <a:endParaRPr lang="en-GB"/>
+            <p:ph type="body" idx="1"/>
+          </p:nvPr>
+        </p:nvSpPr>
+        <p:spPr/>
+        <p:txBody>
+          <a:bodyPr/>
+          <a:lstStyle/>
+          <a:p>
+            <a:r>
+              <a:rPr lang="de-DE" dirty="0"/>
+              <a:t>Eine Präsentationsfertige Szene</a:t>
+            </a:r>
+            <a:endParaRPr lang="en-GB" dirty="0"/>
           </a:p>
         </p:txBody>
       </p:sp>
     </p:spTree>
     <p:extLst>
       <p:ext uri="{BB962C8B-B14F-4D97-AF65-F5344CB8AC3E}">
-        <p14:creationId xmlns:p14="http://schemas.microsoft.com/office/powerpoint/2010/main" val="1309428602"/>
+        <p14:creationId xmlns:p14="http://schemas.microsoft.com/office/powerpoint/2010/main" val="140476505"/>
       </p:ext>
     </p:extLst>
   </p:cSld>
@@ -5155,6 +5294,112 @@
           <p:cNvPr id="2" name="Titel 1">
             <a:extLst>
               <a:ext uri="{FF2B5EF4-FFF2-40B4-BE49-F238E27FC236}">
+                <a16:creationId xmlns:a16="http://schemas.microsoft.com/office/drawing/2014/main" id="{18525874-A063-4969-A5AF-619D403A8E31}"/>
+              </a:ext>
+            </a:extLst>
+          </p:cNvPr>
+          <p:cNvSpPr>
+            <a:spLocks noGrp="1"/>
+          </p:cNvSpPr>
+          <p:nvPr>
+            <p:ph type="title"/>
+          </p:nvPr>
+        </p:nvSpPr>
+        <p:spPr/>
+        <p:txBody>
+          <a:bodyPr/>
+          <a:lstStyle/>
+          <a:p>
+            <a:r>
+              <a:rPr lang="de-DE" dirty="0"/>
+              <a:t>Vision</a:t>
+            </a:r>
+            <a:endParaRPr lang="en-GB" dirty="0"/>
+          </a:p>
+        </p:txBody>
+      </p:sp>
+      <p:sp>
+        <p:nvSpPr>
+          <p:cNvPr id="3" name="Inhaltsplatzhalter 2">
+            <a:extLst>
+              <a:ext uri="{FF2B5EF4-FFF2-40B4-BE49-F238E27FC236}">
+                <a16:creationId xmlns:a16="http://schemas.microsoft.com/office/drawing/2014/main" id="{95658962-CAE7-43B2-9B19-CA2E542B531A}"/>
+              </a:ext>
+            </a:extLst>
+          </p:cNvPr>
+          <p:cNvSpPr>
+            <a:spLocks noGrp="1"/>
+          </p:cNvSpPr>
+          <p:nvPr>
+            <p:ph idx="1"/>
+          </p:nvPr>
+        </p:nvSpPr>
+        <p:spPr/>
+        <p:txBody>
+          <a:bodyPr/>
+          <a:lstStyle/>
+          <a:p>
+            <a:r>
+              <a:rPr lang="de-DE" dirty="0"/>
+              <a:t>Verwendung von STL-Dateien (Export aus Catia)</a:t>
+            </a:r>
+          </a:p>
+          <a:p>
+            <a:r>
+              <a:rPr lang="de-DE" dirty="0"/>
+              <a:t>Umwandlung von STL-Dateien in OBJ-Dateien</a:t>
+            </a:r>
+          </a:p>
+          <a:p>
+            <a:r>
+              <a:rPr lang="de-DE" dirty="0"/>
+              <a:t>Laden von OBJ-Dateien zur Laufzeit</a:t>
+            </a:r>
+          </a:p>
+          <a:p>
+            <a:r>
+              <a:rPr lang="de-DE" dirty="0"/>
+              <a:t>Interaktion mit den Objekten (Kollision, Vergrößern/Verkleinern)</a:t>
+            </a:r>
+            <a:endParaRPr lang="en-GB" dirty="0"/>
+          </a:p>
+        </p:txBody>
+      </p:sp>
+    </p:spTree>
+    <p:extLst>
+      <p:ext uri="{BB962C8B-B14F-4D97-AF65-F5344CB8AC3E}">
+        <p14:creationId xmlns:p14="http://schemas.microsoft.com/office/powerpoint/2010/main" val="1309428602"/>
+      </p:ext>
+    </p:extLst>
+  </p:cSld>
+  <p:clrMapOvr>
+    <a:masterClrMapping/>
+  </p:clrMapOvr>
+</p:sld>
+</file>
+
+<file path=ppt/slides/slide17.xml><?xml version="1.0" encoding="utf-8"?>
+<p:sld xmlns:a="http://schemas.openxmlformats.org/drawingml/2006/main" xmlns:r="http://schemas.openxmlformats.org/officeDocument/2006/relationships" xmlns:p="http://schemas.openxmlformats.org/presentationml/2006/main">
+  <p:cSld>
+    <p:spTree>
+      <p:nvGrpSpPr>
+        <p:cNvPr id="1" name=""/>
+        <p:cNvGrpSpPr/>
+        <p:nvPr/>
+      </p:nvGrpSpPr>
+      <p:grpSpPr>
+        <a:xfrm>
+          <a:off x="0" y="0"/>
+          <a:ext cx="0" cy="0"/>
+          <a:chOff x="0" y="0"/>
+          <a:chExt cx="0" cy="0"/>
+        </a:xfrm>
+      </p:grpSpPr>
+      <p:sp>
+        <p:nvSpPr>
+          <p:cNvPr id="2" name="Titel 1">
+            <a:extLst>
+              <a:ext uri="{FF2B5EF4-FFF2-40B4-BE49-F238E27FC236}">
                 <a16:creationId xmlns:a16="http://schemas.microsoft.com/office/drawing/2014/main" id="{5F8D8971-EDF5-40CB-93DA-BA6545D08BFE}"/>
               </a:ext>
             </a:extLst>
@@ -5200,7 +5445,74 @@
           <a:bodyPr/>
           <a:lstStyle/>
           <a:p>
-            <a:endParaRPr lang="en-GB"/>
+            <a:r>
+              <a:rPr lang="de-DE" dirty="0"/>
+              <a:t>Konvertierung der Dateien</a:t>
+            </a:r>
+          </a:p>
+          <a:p>
+            <a:pPr lvl="1"/>
+            <a:r>
+              <a:rPr lang="de-DE" dirty="0"/>
+              <a:t>Von Unity standardmäßig nicht unterstützt</a:t>
+            </a:r>
+          </a:p>
+          <a:p>
+            <a:pPr lvl="1"/>
+            <a:r>
+              <a:rPr lang="de-DE" dirty="0"/>
+              <a:t>Benötigt andere Software (Blender)</a:t>
+            </a:r>
+          </a:p>
+          <a:p>
+            <a:r>
+              <a:rPr lang="de-DE" dirty="0"/>
+              <a:t>Laden der Dateien zur Laufzeit</a:t>
+            </a:r>
+          </a:p>
+          <a:p>
+            <a:pPr lvl="1"/>
+            <a:r>
+              <a:rPr lang="de-DE" dirty="0"/>
+              <a:t>Von Unity standardmäßig nicht unterstützt</a:t>
+            </a:r>
+          </a:p>
+          <a:p>
+            <a:pPr lvl="1"/>
+            <a:r>
+              <a:rPr lang="de-DE" dirty="0"/>
+              <a:t>Benötigt Erweiterungsskript</a:t>
+            </a:r>
+          </a:p>
+          <a:p>
+            <a:pPr lvl="1"/>
+            <a:r>
+              <a:rPr lang="de-DE" dirty="0"/>
+              <a:t>Laden von großen Dateien (Unity Vertices Limit)</a:t>
+            </a:r>
+          </a:p>
+          <a:p>
+            <a:r>
+              <a:rPr lang="de-DE" dirty="0"/>
+              <a:t>Bugs in der VR-Software</a:t>
+            </a:r>
+          </a:p>
+          <a:p>
+            <a:pPr lvl="1"/>
+            <a:r>
+              <a:rPr lang="de-DE" dirty="0"/>
+              <a:t>Controller werden ausgeblendet</a:t>
+            </a:r>
+          </a:p>
+          <a:p>
+            <a:r>
+              <a:rPr lang="de-DE" dirty="0"/>
+              <a:t>Kollision (Controller – Objekt)</a:t>
+            </a:r>
+          </a:p>
+          <a:p>
+            <a:pPr lvl="1"/>
+            <a:endParaRPr lang="en-GB" dirty="0"/>
           </a:p>
         </p:txBody>
       </p:sp>
@@ -5208,6 +5520,196 @@
     <p:extLst>
       <p:ext uri="{BB962C8B-B14F-4D97-AF65-F5344CB8AC3E}">
         <p14:creationId xmlns:p14="http://schemas.microsoft.com/office/powerpoint/2010/main" val="1809612733"/>
+      </p:ext>
+    </p:extLst>
+  </p:cSld>
+  <p:clrMapOvr>
+    <a:masterClrMapping/>
+  </p:clrMapOvr>
+</p:sld>
+</file>
+
+<file path=ppt/slides/slide18.xml><?xml version="1.0" encoding="utf-8"?>
+<p:sld xmlns:a="http://schemas.openxmlformats.org/drawingml/2006/main" xmlns:r="http://schemas.openxmlformats.org/officeDocument/2006/relationships" xmlns:p="http://schemas.openxmlformats.org/presentationml/2006/main">
+  <p:cSld>
+    <p:spTree>
+      <p:nvGrpSpPr>
+        <p:cNvPr id="1" name=""/>
+        <p:cNvGrpSpPr/>
+        <p:nvPr/>
+      </p:nvGrpSpPr>
+      <p:grpSpPr>
+        <a:xfrm>
+          <a:off x="0" y="0"/>
+          <a:ext cx="0" cy="0"/>
+          <a:chOff x="0" y="0"/>
+          <a:chExt cx="0" cy="0"/>
+        </a:xfrm>
+      </p:grpSpPr>
+      <p:sp>
+        <p:nvSpPr>
+          <p:cNvPr id="2" name="Titel 1">
+            <a:extLst>
+              <a:ext uri="{FF2B5EF4-FFF2-40B4-BE49-F238E27FC236}">
+                <a16:creationId xmlns:a16="http://schemas.microsoft.com/office/drawing/2014/main" id="{31D56277-4DED-44AA-B718-1F1A0E1DB830}"/>
+              </a:ext>
+            </a:extLst>
+          </p:cNvPr>
+          <p:cNvSpPr>
+            <a:spLocks noGrp="1"/>
+          </p:cNvSpPr>
+          <p:nvPr>
+            <p:ph type="title"/>
+          </p:nvPr>
+        </p:nvSpPr>
+        <p:spPr/>
+        <p:txBody>
+          <a:bodyPr/>
+          <a:lstStyle/>
+          <a:p>
+            <a:r>
+              <a:rPr lang="de-DE" dirty="0"/>
+              <a:t>Ergebnisse</a:t>
+            </a:r>
+            <a:endParaRPr lang="en-GB" dirty="0"/>
+          </a:p>
+        </p:txBody>
+      </p:sp>
+      <p:sp>
+        <p:nvSpPr>
+          <p:cNvPr id="3" name="Inhaltsplatzhalter 2">
+            <a:extLst>
+              <a:ext uri="{FF2B5EF4-FFF2-40B4-BE49-F238E27FC236}">
+                <a16:creationId xmlns:a16="http://schemas.microsoft.com/office/drawing/2014/main" id="{61E7C4DB-D5B1-4CCC-974F-59ADCACF36CE}"/>
+              </a:ext>
+            </a:extLst>
+          </p:cNvPr>
+          <p:cNvSpPr>
+            <a:spLocks noGrp="1"/>
+          </p:cNvSpPr>
+          <p:nvPr>
+            <p:ph idx="1"/>
+          </p:nvPr>
+        </p:nvSpPr>
+        <p:spPr/>
+        <p:txBody>
+          <a:bodyPr/>
+          <a:lstStyle/>
+          <a:p>
+            <a:r>
+              <a:rPr lang="de-DE" dirty="0"/>
+              <a:t>Konvertierung der Dateien durch externes Skript</a:t>
+            </a:r>
+          </a:p>
+          <a:p>
+            <a:r>
+              <a:rPr lang="de-DE" dirty="0"/>
+              <a:t>Laden von Objekten zur Laufzeit (auch große Dateien)</a:t>
+            </a:r>
+          </a:p>
+          <a:p>
+            <a:r>
+              <a:rPr lang="de-DE" dirty="0"/>
+              <a:t>Kollision von Objekten</a:t>
+            </a:r>
+          </a:p>
+          <a:p>
+            <a:r>
+              <a:rPr lang="de-DE" dirty="0"/>
+              <a:t>Interaktion zwischen Controller und Objekten</a:t>
+            </a:r>
+            <a:endParaRPr lang="en-GB" dirty="0"/>
+          </a:p>
+        </p:txBody>
+      </p:sp>
+    </p:spTree>
+    <p:extLst>
+      <p:ext uri="{BB962C8B-B14F-4D97-AF65-F5344CB8AC3E}">
+        <p14:creationId xmlns:p14="http://schemas.microsoft.com/office/powerpoint/2010/main" val="1119052016"/>
+      </p:ext>
+    </p:extLst>
+  </p:cSld>
+  <p:clrMapOvr>
+    <a:masterClrMapping/>
+  </p:clrMapOvr>
+</p:sld>
+</file>
+
+<file path=ppt/slides/slide19.xml><?xml version="1.0" encoding="utf-8"?>
+<p:sld xmlns:a="http://schemas.openxmlformats.org/drawingml/2006/main" xmlns:r="http://schemas.openxmlformats.org/officeDocument/2006/relationships" xmlns:p="http://schemas.openxmlformats.org/presentationml/2006/main">
+  <p:cSld>
+    <p:spTree>
+      <p:nvGrpSpPr>
+        <p:cNvPr id="1" name=""/>
+        <p:cNvGrpSpPr/>
+        <p:nvPr/>
+      </p:nvGrpSpPr>
+      <p:grpSpPr>
+        <a:xfrm>
+          <a:off x="0" y="0"/>
+          <a:ext cx="0" cy="0"/>
+          <a:chOff x="0" y="0"/>
+          <a:chExt cx="0" cy="0"/>
+        </a:xfrm>
+      </p:grpSpPr>
+      <p:sp>
+        <p:nvSpPr>
+          <p:cNvPr id="2" name="Titel 1">
+            <a:extLst>
+              <a:ext uri="{FF2B5EF4-FFF2-40B4-BE49-F238E27FC236}">
+                <a16:creationId xmlns:a16="http://schemas.microsoft.com/office/drawing/2014/main" id="{9A90B697-2DAD-4245-8639-F24F6A23E111}"/>
+              </a:ext>
+            </a:extLst>
+          </p:cNvPr>
+          <p:cNvSpPr>
+            <a:spLocks noGrp="1"/>
+          </p:cNvSpPr>
+          <p:nvPr>
+            <p:ph type="title"/>
+          </p:nvPr>
+        </p:nvSpPr>
+        <p:spPr/>
+        <p:txBody>
+          <a:bodyPr/>
+          <a:lstStyle/>
+          <a:p>
+            <a:r>
+              <a:rPr lang="de-DE" dirty="0"/>
+              <a:t>Demo</a:t>
+            </a:r>
+            <a:endParaRPr lang="en-GB" dirty="0"/>
+          </a:p>
+        </p:txBody>
+      </p:sp>
+      <p:sp>
+        <p:nvSpPr>
+          <p:cNvPr id="3" name="Inhaltsplatzhalter 2">
+            <a:extLst>
+              <a:ext uri="{FF2B5EF4-FFF2-40B4-BE49-F238E27FC236}">
+                <a16:creationId xmlns:a16="http://schemas.microsoft.com/office/drawing/2014/main" id="{211E53AE-1022-483C-BFCB-B7E959F7D24C}"/>
+              </a:ext>
+            </a:extLst>
+          </p:cNvPr>
+          <p:cNvSpPr>
+            <a:spLocks noGrp="1"/>
+          </p:cNvSpPr>
+          <p:nvPr>
+            <p:ph idx="1"/>
+          </p:nvPr>
+        </p:nvSpPr>
+        <p:spPr/>
+        <p:txBody>
+          <a:bodyPr/>
+          <a:lstStyle/>
+          <a:p>
+            <a:endParaRPr lang="en-GB"/>
+          </a:p>
+        </p:txBody>
+      </p:sp>
+    </p:spTree>
+    <p:extLst>
+      <p:ext uri="{BB962C8B-B14F-4D97-AF65-F5344CB8AC3E}">
+        <p14:creationId xmlns:p14="http://schemas.microsoft.com/office/powerpoint/2010/main" val="1244858809"/>
       </p:ext>
     </p:extLst>
   </p:cSld>
@@ -5263,8 +5765,8 @@
           </a:p>
         </p:txBody>
       </p:sp>
-      <mc:AlternateContent xmlns:mc="http://schemas.openxmlformats.org/markup-compatibility/2006">
-        <mc:Choice xmlns:pslz="http://schemas.microsoft.com/office/powerpoint/2016/slidezoom" Requires="pslz">
+      <mc:AlternateContent xmlns:mc="http://schemas.openxmlformats.org/markup-compatibility/2006" xmlns:pslz="http://schemas.microsoft.com/office/powerpoint/2016/slidezoom">
+        <mc:Choice Requires="pslz">
           <p:graphicFrame>
             <p:nvGraphicFramePr>
               <p:cNvPr id="5" name="Folienzoom 4">
@@ -5337,7 +5839,7 @@
             </a:graphic>
           </p:graphicFrame>
         </mc:Choice>
-        <mc:Fallback>
+        <mc:Fallback xmlns="">
           <p:pic>
             <p:nvPicPr>
               <p:cNvPr id="5" name="Folienzoom 4">
@@ -5354,7 +5856,7 @@
               <p:nvPr/>
             </p:nvPicPr>
             <p:blipFill>
-              <a:blip r:embed="rId2"/>
+              <a:blip r:embed="rId4"/>
               <a:stretch>
                 <a:fillRect/>
               </a:stretch>
@@ -5392,8 +5894,8 @@
           </p:pic>
         </mc:Fallback>
       </mc:AlternateContent>
-      <mc:AlternateContent xmlns:mc="http://schemas.openxmlformats.org/markup-compatibility/2006">
-        <mc:Choice xmlns:pslz="http://schemas.microsoft.com/office/powerpoint/2016/slidezoom" Requires="pslz">
+      <mc:AlternateContent xmlns:mc="http://schemas.openxmlformats.org/markup-compatibility/2006" xmlns:pslz="http://schemas.microsoft.com/office/powerpoint/2016/slidezoom">
+        <mc:Choice Requires="pslz">
           <p:graphicFrame>
             <p:nvGraphicFramePr>
               <p:cNvPr id="7" name="Folienzoom 6">
@@ -5424,7 +5926,7 @@
                   <pslz:sldZmObj sldId="259" cId="3161220688">
                     <pslz:zmPr id="{6A00781B-4AA3-492E-96E6-01FC24411B39}" returnToParent="0" transitionDur="1000">
                       <p166:blipFill xmlns:p166="http://schemas.microsoft.com/office/powerpoint/2016/6/main">
-                        <a:blip r:embed="rId4"/>
+                        <a:blip r:embed="rId5"/>
                         <a:stretch>
                           <a:fillRect/>
                         </a:stretch>
@@ -5466,11 +5968,11 @@
             </a:graphic>
           </p:graphicFrame>
         </mc:Choice>
-        <mc:Fallback>
+        <mc:Fallback xmlns="">
           <p:pic>
             <p:nvPicPr>
               <p:cNvPr id="7" name="Folienzoom 6">
-                <a:hlinkClick r:id="rId5" action="ppaction://hlinksldjump"/>
+                <a:hlinkClick r:id="rId6" action="ppaction://hlinksldjump"/>
                 <a:extLst>
                   <a:ext uri="{FF2B5EF4-FFF2-40B4-BE49-F238E27FC236}">
                     <a16:creationId xmlns:a16="http://schemas.microsoft.com/office/drawing/2014/main" id="{AF27510A-BC67-4484-9717-84798F61A461}"/>
@@ -5483,7 +5985,7 @@
               <p:nvPr/>
             </p:nvPicPr>
             <p:blipFill>
-              <a:blip r:embed="rId4"/>
+              <a:blip r:embed="rId7"/>
               <a:stretch>
                 <a:fillRect/>
               </a:stretch>
@@ -5521,8 +6023,8 @@
           </p:pic>
         </mc:Fallback>
       </mc:AlternateContent>
-      <mc:AlternateContent xmlns:mc="http://schemas.openxmlformats.org/markup-compatibility/2006">
-        <mc:Choice xmlns:pslz="http://schemas.microsoft.com/office/powerpoint/2016/slidezoom" Requires="pslz">
+      <mc:AlternateContent xmlns:mc="http://schemas.openxmlformats.org/markup-compatibility/2006" xmlns:pslz="http://schemas.microsoft.com/office/powerpoint/2016/slidezoom">
+        <mc:Choice Requires="pslz">
           <p:graphicFrame>
             <p:nvGraphicFramePr>
               <p:cNvPr id="9" name="Folienzoom 8">
@@ -5553,7 +6055,7 @@
                   <pslz:sldZmObj sldId="260" cId="140476505">
                     <pslz:zmPr id="{9A439B14-AD6F-46A4-9CBC-1F63037BD12E}" returnToParent="0" transitionDur="1000">
                       <p166:blipFill xmlns:p166="http://schemas.microsoft.com/office/powerpoint/2016/6/main">
-                        <a:blip r:embed="rId6"/>
+                        <a:blip r:embed="rId8"/>
                         <a:stretch>
                           <a:fillRect/>
                         </a:stretch>
@@ -5595,11 +6097,11 @@
             </a:graphic>
           </p:graphicFrame>
         </mc:Choice>
-        <mc:Fallback>
+        <mc:Fallback xmlns="">
           <p:pic>
             <p:nvPicPr>
               <p:cNvPr id="9" name="Folienzoom 8">
-                <a:hlinkClick r:id="rId7" action="ppaction://hlinksldjump"/>
+                <a:hlinkClick r:id="rId9" action="ppaction://hlinksldjump"/>
                 <a:extLst>
                   <a:ext uri="{FF2B5EF4-FFF2-40B4-BE49-F238E27FC236}">
                     <a16:creationId xmlns:a16="http://schemas.microsoft.com/office/drawing/2014/main" id="{D93FDC14-283C-49C8-BDD0-636C7E93A0BE}"/>
@@ -5612,7 +6114,7 @@
               <p:nvPr/>
             </p:nvPicPr>
             <p:blipFill>
-              <a:blip r:embed="rId6"/>
+              <a:blip r:embed="rId10"/>
               <a:stretch>
                 <a:fillRect/>
               </a:stretch>
@@ -6330,8 +6832,8 @@
           </a:p>
         </p:txBody>
       </p:sp>
-      <mc:AlternateContent xmlns:mc="http://schemas.openxmlformats.org/markup-compatibility/2006">
-        <mc:Choice xmlns:pslz="http://schemas.microsoft.com/office/powerpoint/2016/slidezoom" Requires="pslz">
+      <mc:AlternateContent xmlns:mc="http://schemas.openxmlformats.org/markup-compatibility/2006" xmlns:pslz="http://schemas.microsoft.com/office/powerpoint/2016/slidezoom">
+        <mc:Choice Requires="pslz">
           <p:graphicFrame>
             <p:nvGraphicFramePr>
               <p:cNvPr id="5" name="Folienzoom 4">
@@ -6398,7 +6900,7 @@
             </a:graphic>
           </p:graphicFrame>
         </mc:Choice>
-        <mc:Fallback>
+        <mc:Fallback xmlns="">
           <p:pic>
             <p:nvPicPr>
               <p:cNvPr id="5" name="Folienzoom 4">
@@ -6415,7 +6917,7 @@
               <p:nvPr/>
             </p:nvPicPr>
             <p:blipFill>
-              <a:blip r:embed="rId2"/>
+              <a:blip r:embed="rId4"/>
               <a:stretch>
                 <a:fillRect/>
               </a:stretch>
@@ -6447,8 +6949,8 @@
           </p:pic>
         </mc:Fallback>
       </mc:AlternateContent>
-      <mc:AlternateContent xmlns:mc="http://schemas.openxmlformats.org/markup-compatibility/2006">
-        <mc:Choice xmlns:pslz="http://schemas.microsoft.com/office/powerpoint/2016/slidezoom" Requires="pslz">
+      <mc:AlternateContent xmlns:mc="http://schemas.openxmlformats.org/markup-compatibility/2006" xmlns:pslz="http://schemas.microsoft.com/office/powerpoint/2016/slidezoom">
+        <mc:Choice Requires="pslz">
           <p:graphicFrame>
             <p:nvGraphicFramePr>
               <p:cNvPr id="7" name="Folienzoom 6">
@@ -6473,7 +6975,7 @@
                   <pslz:sldZmObj sldId="259" cId="3161220688">
                     <pslz:zmPr id="{6A00781B-4AA3-492E-96E6-01FC24411B39}" returnToParent="0" transitionDur="1000">
                       <p166:blipFill xmlns:p166="http://schemas.microsoft.com/office/powerpoint/2016/6/main">
-                        <a:blip r:embed="rId4"/>
+                        <a:blip r:embed="rId5"/>
                         <a:stretch>
                           <a:fillRect/>
                         </a:stretch>
@@ -6515,11 +7017,11 @@
             </a:graphic>
           </p:graphicFrame>
         </mc:Choice>
-        <mc:Fallback>
+        <mc:Fallback xmlns="">
           <p:pic>
             <p:nvPicPr>
               <p:cNvPr id="7" name="Folienzoom 6">
-                <a:hlinkClick r:id="rId5" action="ppaction://hlinksldjump"/>
+                <a:hlinkClick r:id="rId6" action="ppaction://hlinksldjump"/>
                 <a:extLst>
                   <a:ext uri="{FF2B5EF4-FFF2-40B4-BE49-F238E27FC236}">
                     <a16:creationId xmlns:a16="http://schemas.microsoft.com/office/drawing/2014/main" id="{AF27510A-BC67-4484-9717-84798F61A461}"/>
@@ -6532,7 +7034,7 @@
               <p:nvPr/>
             </p:nvPicPr>
             <p:blipFill>
-              <a:blip r:embed="rId4"/>
+              <a:blip r:embed="rId7"/>
               <a:stretch>
                 <a:fillRect/>
               </a:stretch>
@@ -6570,8 +7072,8 @@
           </p:pic>
         </mc:Fallback>
       </mc:AlternateContent>
-      <mc:AlternateContent xmlns:mc="http://schemas.openxmlformats.org/markup-compatibility/2006">
-        <mc:Choice xmlns:pslz="http://schemas.microsoft.com/office/powerpoint/2016/slidezoom" Requires="pslz">
+      <mc:AlternateContent xmlns:mc="http://schemas.openxmlformats.org/markup-compatibility/2006" xmlns:pslz="http://schemas.microsoft.com/office/powerpoint/2016/slidezoom">
+        <mc:Choice Requires="pslz">
           <p:graphicFrame>
             <p:nvGraphicFramePr>
               <p:cNvPr id="9" name="Folienzoom 8">
@@ -6596,7 +7098,7 @@
                   <pslz:sldZmObj sldId="260" cId="140476505">
                     <pslz:zmPr id="{9A439B14-AD6F-46A4-9CBC-1F63037BD12E}" returnToParent="0" transitionDur="1000">
                       <p166:blipFill xmlns:p166="http://schemas.microsoft.com/office/powerpoint/2016/6/main">
-                        <a:blip r:embed="rId6"/>
+                        <a:blip r:embed="rId8"/>
                         <a:stretch>
                           <a:fillRect/>
                         </a:stretch>
@@ -6638,11 +7140,11 @@
             </a:graphic>
           </p:graphicFrame>
         </mc:Choice>
-        <mc:Fallback>
+        <mc:Fallback xmlns="">
           <p:pic>
             <p:nvPicPr>
               <p:cNvPr id="9" name="Folienzoom 8">
-                <a:hlinkClick r:id="rId7" action="ppaction://hlinksldjump"/>
+                <a:hlinkClick r:id="rId9" action="ppaction://hlinksldjump"/>
                 <a:extLst>
                   <a:ext uri="{FF2B5EF4-FFF2-40B4-BE49-F238E27FC236}">
                     <a16:creationId xmlns:a16="http://schemas.microsoft.com/office/drawing/2014/main" id="{D93FDC14-283C-49C8-BDD0-636C7E93A0BE}"/>
@@ -6655,7 +7157,7 @@
               <p:nvPr/>
             </p:nvPicPr>
             <p:blipFill>
-              <a:blip r:embed="rId6"/>
+              <a:blip r:embed="rId10"/>
               <a:stretch>
                 <a:fillRect/>
               </a:stretch>
@@ -6937,59 +7439,67 @@
 
 <file path=customXml/item1.xml><?xml version="1.0" encoding="utf-8"?>
 <Control xmlns="http://schemas.microsoft.com/VisualStudio/2011/storyboarding/control">
-  <Id Name="System.Storyboarding.Backgrounds.WindowsPhoneLandscape" Revision="1" Stencil="System.Storyboarding.Backgrounds" StencilVersion="0.1"/>
+  <Id Name="366cd925-969f-44e1-b789-354cb31b0dfd" RevisionId="87c5073a-f3d6-4c7e-a7b7-c9586eacad3b" Stencil="172d6d98-e5c9-42e9-a209-79f7a94bbd38" StencilRevisionId="00000000-0000-0000-0000-000000000000" StencilVersion="0.0"/>
 </Control>
 </file>
 
 <file path=customXml/item2.xml><?xml version="1.0" encoding="utf-8"?>
 <Control xmlns="http://schemas.microsoft.com/VisualStudio/2011/storyboarding/control">
-  <Id Name="366cd925-969f-44e1-b789-354cb31b0dfd" RevisionId="87c5073a-f3d6-4c7e-a7b7-c9586eacad3b" Stencil="172d6d98-e5c9-42e9-a209-79f7a94bbd38" StencilRevisionId="00000000-0000-0000-0000-000000000000" StencilVersion="0.0"/>
+  <Id Name="System.Storyboarding.Backgrounds.WindowsPhoneLandscape" Revision="1" Stencil="System.Storyboarding.Backgrounds" StencilVersion="0.1"/>
 </Control>
 </file>
 
 <file path=customXml/item3.xml><?xml version="1.0" encoding="utf-8"?>
 <Control xmlns="http://schemas.microsoft.com/VisualStudio/2011/storyboarding/control">
-  <Id Name="9d9c56e0-6ca3-4298-b757-9c73dab947ac" RevisionId="993ea365-49c2-46dc-bf14-e971e460de1e" Stencil="172d6d98-e5c9-42e9-a209-79f7a94bbd38" StencilRevisionId="00000000-0000-0000-0000-000000000000" StencilVersion="0.0"/>
+  <Id Name="System.Storyboarding.Backgrounds.BrowserWindows8" Revision="1" Stencil="System.Storyboarding.Backgrounds" StencilVersion="0.1"/>
 </Control>
 </file>
 
 <file path=customXml/item4.xml><?xml version="1.0" encoding="utf-8"?>
 <Control xmlns="http://schemas.microsoft.com/VisualStudio/2011/storyboarding/control">
-  <Id Name="600d61f4-2d09-42e6-a6db-83e260e051ae" RevisionId="3c9eb7e9-0ea7-4fb5-adc7-dcc81ff0fb36" Stencil="172d6d98-e5c9-42e9-a209-79f7a94bbd38" StencilRevisionId="00000000-0000-0000-0000-000000000000" StencilVersion="0.0"/>
+  <Id Name="366cd925-969f-44e1-b789-354cb31b0dfd" RevisionId="87c5073a-f3d6-4c7e-a7b7-c9586eacad3b" Stencil="172d6d98-e5c9-42e9-a209-79f7a94bbd38" StencilRevisionId="00000000-0000-0000-0000-000000000000" StencilVersion="0.0"/>
 </Control>
 </file>
 
 <file path=customXml/item5.xml><?xml version="1.0" encoding="utf-8"?>
 <Control xmlns="http://schemas.microsoft.com/VisualStudio/2011/storyboarding/control">
-  <Id Name="366cd925-969f-44e1-b789-354cb31b0dfd" RevisionId="87c5073a-f3d6-4c7e-a7b7-c9586eacad3b" Stencil="172d6d98-e5c9-42e9-a209-79f7a94bbd38" StencilRevisionId="00000000-0000-0000-0000-000000000000" StencilVersion="0.0"/>
+  <Id Name="600d61f4-2d09-42e6-a6db-83e260e051ae" RevisionId="3c9eb7e9-0ea7-4fb5-adc7-dcc81ff0fb36" Stencil="172d6d98-e5c9-42e9-a209-79f7a94bbd38" StencilRevisionId="00000000-0000-0000-0000-000000000000" StencilVersion="0.0"/>
 </Control>
 </file>
 
 <file path=customXml/item6.xml><?xml version="1.0" encoding="utf-8"?>
 <Control xmlns="http://schemas.microsoft.com/VisualStudio/2011/storyboarding/control">
-  <Id Name="System.Storyboarding.Backgrounds.BrowserWindows8" Revision="1" Stencil="System.Storyboarding.Backgrounds" StencilVersion="0.1"/>
+  <Id Name="System.Storyboarding.Annotation.AnimatedRectangleCallout" Revision="1" Stencil="System.Storyboarding.Annotation" StencilVersion="0.1"/>
 </Control>
 </file>
 
 <file path=customXml/item7.xml><?xml version="1.0" encoding="utf-8"?>
 <Control xmlns="http://schemas.microsoft.com/VisualStudio/2011/storyboarding/control">
-  <Id Name="System.Storyboarding.Backgrounds.WebBrowser" Revision="1" Stencil="System.Storyboarding.Backgrounds" StencilVersion="0.1"/>
+  <Id Name="System.Storyboarding.Annotation.StickyNote" Revision="1" Stencil="System.Storyboarding.Annotation" StencilVersion="0.1"/>
 </Control>
 </file>
 
 <file path=customXml/item8.xml><?xml version="1.0" encoding="utf-8"?>
 <Control xmlns="http://schemas.microsoft.com/VisualStudio/2011/storyboarding/control">
-  <Id Name="System.Storyboarding.Annotation.StickyNote" Revision="1" Stencil="System.Storyboarding.Annotation" StencilVersion="0.1"/>
+  <Id Name="9d9c56e0-6ca3-4298-b757-9c73dab947ac" RevisionId="993ea365-49c2-46dc-bf14-e971e460de1e" Stencil="172d6d98-e5c9-42e9-a209-79f7a94bbd38" StencilRevisionId="00000000-0000-0000-0000-000000000000" StencilVersion="0.0"/>
 </Control>
 </file>
 
 <file path=customXml/item9.xml><?xml version="1.0" encoding="utf-8"?>
 <Control xmlns="http://schemas.microsoft.com/VisualStudio/2011/storyboarding/control">
-  <Id Name="System.Storyboarding.Annotation.AnimatedRectangleCallout" Revision="1" Stencil="System.Storyboarding.Annotation" StencilVersion="0.1"/>
+  <Id Name="System.Storyboarding.Backgrounds.WebBrowser" Revision="1" Stencil="System.Storyboarding.Backgrounds" StencilVersion="0.1"/>
 </Control>
 </file>
 
 <file path=customXml/itemProps1.xml><?xml version="1.0" encoding="utf-8"?>
+<ds:datastoreItem xmlns:ds="http://schemas.openxmlformats.org/officeDocument/2006/customXml" ds:itemID="{D3032AE8-14A9-41E6-8BB9-4553C2FFF265}">
+  <ds:schemaRefs>
+    <ds:schemaRef ds:uri="http://schemas.microsoft.com/VisualStudio/2011/storyboarding/control"/>
+  </ds:schemaRefs>
+</ds:datastoreItem>
+</file>
+
+<file path=customXml/itemProps2.xml><?xml version="1.0" encoding="utf-8"?>
 <ds:datastoreItem xmlns:ds="http://schemas.openxmlformats.org/officeDocument/2006/customXml" ds:itemID="{5257094E-010A-47E8-9B48-B4776E37AE78}">
   <ds:schemaRefs>
     <ds:schemaRef ds:uri="http://schemas.microsoft.com/VisualStudio/2011/storyboarding/control"/>
@@ -6997,15 +7507,47 @@
 </ds:datastoreItem>
 </file>
 
-<file path=customXml/itemProps2.xml><?xml version="1.0" encoding="utf-8"?>
-<ds:datastoreItem xmlns:ds="http://schemas.openxmlformats.org/officeDocument/2006/customXml" ds:itemID="{D3032AE8-14A9-41E6-8BB9-4553C2FFF265}">
+<file path=customXml/itemProps3.xml><?xml version="1.0" encoding="utf-8"?>
+<ds:datastoreItem xmlns:ds="http://schemas.openxmlformats.org/officeDocument/2006/customXml" ds:itemID="{7A523528-FA55-4B93-9BDB-8EB5B31D6536}">
   <ds:schemaRefs>
     <ds:schemaRef ds:uri="http://schemas.microsoft.com/VisualStudio/2011/storyboarding/control"/>
   </ds:schemaRefs>
 </ds:datastoreItem>
 </file>
 
-<file path=customXml/itemProps3.xml><?xml version="1.0" encoding="utf-8"?>
+<file path=customXml/itemProps4.xml><?xml version="1.0" encoding="utf-8"?>
+<ds:datastoreItem xmlns:ds="http://schemas.openxmlformats.org/officeDocument/2006/customXml" ds:itemID="{628EAB25-F23C-4A91-8FC2-DD3A0798056D}">
+  <ds:schemaRefs>
+    <ds:schemaRef ds:uri="http://schemas.microsoft.com/VisualStudio/2011/storyboarding/control"/>
+  </ds:schemaRefs>
+</ds:datastoreItem>
+</file>
+
+<file path=customXml/itemProps5.xml><?xml version="1.0" encoding="utf-8"?>
+<ds:datastoreItem xmlns:ds="http://schemas.openxmlformats.org/officeDocument/2006/customXml" ds:itemID="{0D4DAEC8-7379-421E-B3E8-FF083F2516E4}">
+  <ds:schemaRefs>
+    <ds:schemaRef ds:uri="http://schemas.microsoft.com/VisualStudio/2011/storyboarding/control"/>
+  </ds:schemaRefs>
+</ds:datastoreItem>
+</file>
+
+<file path=customXml/itemProps6.xml><?xml version="1.0" encoding="utf-8"?>
+<ds:datastoreItem xmlns:ds="http://schemas.openxmlformats.org/officeDocument/2006/customXml" ds:itemID="{9C32A1AA-3B5A-406F-9FFF-7FF128092945}">
+  <ds:schemaRefs>
+    <ds:schemaRef ds:uri="http://schemas.microsoft.com/VisualStudio/2011/storyboarding/control"/>
+  </ds:schemaRefs>
+</ds:datastoreItem>
+</file>
+
+<file path=customXml/itemProps7.xml><?xml version="1.0" encoding="utf-8"?>
+<ds:datastoreItem xmlns:ds="http://schemas.openxmlformats.org/officeDocument/2006/customXml" ds:itemID="{81E15FC9-20B4-41F8-81F5-243C35A05F68}">
+  <ds:schemaRefs>
+    <ds:schemaRef ds:uri="http://schemas.microsoft.com/VisualStudio/2011/storyboarding/control"/>
+  </ds:schemaRefs>
+</ds:datastoreItem>
+</file>
+
+<file path=customXml/itemProps8.xml><?xml version="1.0" encoding="utf-8"?>
 <ds:datastoreItem xmlns:ds="http://schemas.openxmlformats.org/officeDocument/2006/customXml" ds:itemID="{DE7BE20B-BA3B-4BBB-A0E8-B6D05392D5B9}">
   <ds:schemaRefs>
     <ds:schemaRef ds:uri="http://schemas.microsoft.com/VisualStudio/2011/storyboarding/control"/>
@@ -7013,50 +7555,10 @@
 </ds:datastoreItem>
 </file>
 
-<file path=customXml/itemProps4.xml><?xml version="1.0" encoding="utf-8"?>
-<ds:datastoreItem xmlns:ds="http://schemas.openxmlformats.org/officeDocument/2006/customXml" ds:itemID="{0D4DAEC8-7379-421E-B3E8-FF083F2516E4}">
-  <ds:schemaRefs>
-    <ds:schemaRef ds:uri="http://schemas.microsoft.com/VisualStudio/2011/storyboarding/control"/>
-  </ds:schemaRefs>
-</ds:datastoreItem>
-</file>
-
-<file path=customXml/itemProps5.xml><?xml version="1.0" encoding="utf-8"?>
-<ds:datastoreItem xmlns:ds="http://schemas.openxmlformats.org/officeDocument/2006/customXml" ds:itemID="{628EAB25-F23C-4A91-8FC2-DD3A0798056D}">
-  <ds:schemaRefs>
-    <ds:schemaRef ds:uri="http://schemas.microsoft.com/VisualStudio/2011/storyboarding/control"/>
-  </ds:schemaRefs>
-</ds:datastoreItem>
-</file>
-
-<file path=customXml/itemProps6.xml><?xml version="1.0" encoding="utf-8"?>
-<ds:datastoreItem xmlns:ds="http://schemas.openxmlformats.org/officeDocument/2006/customXml" ds:itemID="{7A523528-FA55-4B93-9BDB-8EB5B31D6536}">
-  <ds:schemaRefs>
-    <ds:schemaRef ds:uri="http://schemas.microsoft.com/VisualStudio/2011/storyboarding/control"/>
-  </ds:schemaRefs>
-</ds:datastoreItem>
-</file>
-
-<file path=customXml/itemProps7.xml><?xml version="1.0" encoding="utf-8"?>
+<file path=customXml/itemProps9.xml><?xml version="1.0" encoding="utf-8"?>
 <ds:datastoreItem xmlns:ds="http://schemas.openxmlformats.org/officeDocument/2006/customXml" ds:itemID="{64D1ED85-74FB-4B0E-9A98-F334CB5EF0FE}">
   <ds:schemaRefs>
     <ds:schemaRef ds:uri="http://schemas.microsoft.com/VisualStudio/2011/storyboarding/control"/>
   </ds:schemaRefs>
 </ds:datastoreItem>
-</file>
-
-<file path=customXml/itemProps8.xml><?xml version="1.0" encoding="utf-8"?>
-<ds:datastoreItem xmlns:ds="http://schemas.openxmlformats.org/officeDocument/2006/customXml" ds:itemID="{81E15FC9-20B4-41F8-81F5-243C35A05F68}">
-  <ds:schemaRefs>
-    <ds:schemaRef ds:uri="http://schemas.microsoft.com/VisualStudio/2011/storyboarding/control"/>
-  </ds:schemaRefs>
-</ds:datastoreItem>
-</file>
-
-<file path=customXml/itemProps9.xml><?xml version="1.0" encoding="utf-8"?>
-<ds:datastoreItem xmlns:ds="http://schemas.openxmlformats.org/officeDocument/2006/customXml" ds:itemID="{9C32A1AA-3B5A-406F-9FFF-7FF128092945}">
-  <ds:schemaRefs>
-    <ds:schemaRef ds:uri="http://schemas.microsoft.com/VisualStudio/2011/storyboarding/control"/>
-  </ds:schemaRefs>
-</ds:datastoreItem>
 </file>
--- a/Präsentation/Stereo VR.pptx
+++ b/Präsentation/Stereo VR.pptx
@@ -8,8 +8,8 @@
     <p:sldId id="256" r:id="rId11"/>
     <p:sldId id="257" r:id="rId12"/>
     <p:sldId id="258" r:id="rId13"/>
-    <p:sldId id="264" r:id="rId14"/>
-    <p:sldId id="265" r:id="rId15"/>
+    <p:sldId id="265" r:id="rId14"/>
+    <p:sldId id="264" r:id="rId15"/>
     <p:sldId id="268" r:id="rId16"/>
     <p:sldId id="267" r:id="rId17"/>
     <p:sldId id="269" r:id="rId18"/>
@@ -134,8 +134,8 @@
         <p14:section name="Stereoskopische Projektion" id="{4C1EE3AC-8B07-4BA7-8CEE-A630ED579CB7}">
           <p14:sldIdLst>
             <p14:sldId id="258"/>
+            <p14:sldId id="265"/>
             <p14:sldId id="264"/>
-            <p14:sldId id="265"/>
             <p14:sldId id="268"/>
             <p14:sldId id="267"/>
             <p14:sldId id="269"/>
@@ -4673,7 +4673,27 @@
           <a:bodyPr/>
           <a:lstStyle/>
           <a:p>
-            <a:endParaRPr lang="en-GB"/>
+            <a:r>
+              <a:rPr lang="de-DE" dirty="0"/>
+              <a:t>Sensoren für Raumerfassung inkludiert</a:t>
+            </a:r>
+          </a:p>
+          <a:p>
+            <a:r>
+              <a:rPr lang="de-DE" dirty="0" err="1"/>
+              <a:t>Conroller</a:t>
+            </a:r>
+            <a:r>
+              <a:rPr lang="de-DE" dirty="0"/>
+              <a:t> inkludiert</a:t>
+            </a:r>
+          </a:p>
+          <a:p>
+            <a:r>
+              <a:rPr lang="de-DE" dirty="0"/>
+              <a:t>Mit Controller und Sensoren günstiger</a:t>
+            </a:r>
+            <a:endParaRPr lang="en-GB" dirty="0"/>
           </a:p>
         </p:txBody>
       </p:sp>
@@ -4727,7 +4747,23 @@
           <a:bodyPr/>
           <a:lstStyle/>
           <a:p>
-            <a:endParaRPr lang="en-GB"/>
+            <a:r>
+              <a:rPr lang="de-DE" dirty="0"/>
+              <a:t>Sensoren für Raumerfassung zusätzlich bestellbar</a:t>
+            </a:r>
+          </a:p>
+          <a:p>
+            <a:r>
+              <a:rPr lang="de-DE" dirty="0"/>
+              <a:t>Controller zusätzlich bestellbar</a:t>
+            </a:r>
+          </a:p>
+          <a:p>
+            <a:r>
+              <a:rPr lang="de-DE" dirty="0"/>
+              <a:t>Grundversion günstiger</a:t>
+            </a:r>
+            <a:endParaRPr lang="en-GB" dirty="0"/>
           </a:p>
         </p:txBody>
       </p:sp>
@@ -6279,7 +6315,7 @@
           <p:cNvPr id="2" name="Titel 1">
             <a:extLst>
               <a:ext uri="{FF2B5EF4-FFF2-40B4-BE49-F238E27FC236}">
-                <a16:creationId xmlns:a16="http://schemas.microsoft.com/office/drawing/2014/main" id="{BB926364-7AC6-4E5B-BD89-4EC3FAF0E542}"/>
+                <a16:creationId xmlns:a16="http://schemas.microsoft.com/office/drawing/2014/main" id="{D132B23F-2730-4542-BA9C-A51A2175FBBF}"/>
               </a:ext>
             </a:extLst>
           </p:cNvPr>
@@ -6290,28 +6326,375 @@
             <p:ph type="title"/>
           </p:nvPr>
         </p:nvSpPr>
-        <p:spPr/>
+        <p:spPr>
+          <a:xfrm>
+            <a:off x="1069848" y="484632"/>
+            <a:ext cx="10058400" cy="1609344"/>
+          </a:xfrm>
+        </p:spPr>
         <p:txBody>
           <a:bodyPr/>
           <a:lstStyle/>
           <a:p>
             <a:r>
               <a:rPr lang="de-DE" dirty="0"/>
-              <a:t>Systemaufbau</a:t>
+              <a:t>Prinzip der Stereoskopischen </a:t>
+            </a:r>
+            <a:r>
+              <a:rPr lang="de-DE" dirty="0" err="1"/>
+              <a:t>projektion</a:t>
             </a:r>
             <a:endParaRPr lang="en-GB" dirty="0"/>
           </a:p>
         </p:txBody>
       </p:sp>
-      <p:sp>
-        <p:nvSpPr>
-          <p:cNvPr id="3" name="Inhaltsplatzhalter 2">
+      <p:grpSp>
+        <p:nvGrpSpPr>
+          <p:cNvPr id="109" name="Gruppieren 108">
             <a:extLst>
               <a:ext uri="{FF2B5EF4-FFF2-40B4-BE49-F238E27FC236}">
-                <a16:creationId xmlns:a16="http://schemas.microsoft.com/office/drawing/2014/main" id="{269904BC-EE9A-4D0A-8F85-9EA24A6037C4}"/>
+                <a16:creationId xmlns:a16="http://schemas.microsoft.com/office/drawing/2014/main" id="{3FB7B7D0-FBE7-4852-A9C0-B991FAB0FD76}"/>
               </a:ext>
             </a:extLst>
           </p:cNvPr>
+          <p:cNvGrpSpPr/>
+          <p:nvPr/>
+        </p:nvGrpSpPr>
+        <p:grpSpPr>
+          <a:xfrm>
+            <a:off x="8827633" y="2348880"/>
+            <a:ext cx="1350000" cy="540000"/>
+            <a:chOff x="3563888" y="5524773"/>
+            <a:chExt cx="1350000" cy="540000"/>
+          </a:xfrm>
+        </p:grpSpPr>
+        <p:pic>
+          <p:nvPicPr>
+            <p:cNvPr id="110" name="Picture 2" descr="C:\Users\Dominik\Studium\view24.png">
+              <a:extLst>
+                <a:ext uri="{FF2B5EF4-FFF2-40B4-BE49-F238E27FC236}">
+                  <a16:creationId xmlns:a16="http://schemas.microsoft.com/office/drawing/2014/main" id="{17B3D6A8-E5F7-4981-ADB1-6B654C26BEA8}"/>
+                </a:ext>
+              </a:extLst>
+            </p:cNvPr>
+            <p:cNvPicPr>
+              <a:picLocks noChangeAspect="1" noChangeArrowheads="1"/>
+            </p:cNvPicPr>
+            <p:nvPr/>
+          </p:nvPicPr>
+          <p:blipFill>
+            <a:blip r:embed="rId2" cstate="print">
+              <a:extLst>
+                <a:ext uri="{28A0092B-C50C-407E-A947-70E740481C1C}">
+                  <a14:useLocalDpi xmlns:a14="http://schemas.microsoft.com/office/drawing/2010/main" val="0"/>
+                </a:ext>
+              </a:extLst>
+            </a:blip>
+            <a:srcRect/>
+            <a:stretch>
+              <a:fillRect/>
+            </a:stretch>
+          </p:blipFill>
+          <p:spPr bwMode="auto">
+            <a:xfrm>
+              <a:off x="3563888" y="5524773"/>
+              <a:ext cx="540000" cy="540000"/>
+            </a:xfrm>
+            <a:prstGeom prst="rect">
+              <a:avLst/>
+            </a:prstGeom>
+            <a:noFill/>
+            <a:extLst>
+              <a:ext uri="{909E8E84-426E-40DD-AFC4-6F175D3DCCD1}">
+                <a14:hiddenFill xmlns:a14="http://schemas.microsoft.com/office/drawing/2010/main">
+                  <a:solidFill>
+                    <a:srgbClr val="FFFFFF"/>
+                  </a:solidFill>
+                </a14:hiddenFill>
+              </a:ext>
+            </a:extLst>
+          </p:spPr>
+        </p:pic>
+        <p:pic>
+          <p:nvPicPr>
+            <p:cNvPr id="111" name="Picture 3" descr="C:\Users\Dominik\Studium\view24.png">
+              <a:extLst>
+                <a:ext uri="{FF2B5EF4-FFF2-40B4-BE49-F238E27FC236}">
+                  <a16:creationId xmlns:a16="http://schemas.microsoft.com/office/drawing/2014/main" id="{701B0DB8-C618-43C3-B1E4-948333CE38CB}"/>
+                </a:ext>
+              </a:extLst>
+            </p:cNvPr>
+            <p:cNvPicPr>
+              <a:picLocks noChangeAspect="1" noChangeArrowheads="1"/>
+            </p:cNvPicPr>
+            <p:nvPr/>
+          </p:nvPicPr>
+          <p:blipFill>
+            <a:blip r:embed="rId2" cstate="print">
+              <a:extLst>
+                <a:ext uri="{28A0092B-C50C-407E-A947-70E740481C1C}">
+                  <a14:useLocalDpi xmlns:a14="http://schemas.microsoft.com/office/drawing/2010/main" val="0"/>
+                </a:ext>
+              </a:extLst>
+            </a:blip>
+            <a:srcRect/>
+            <a:stretch>
+              <a:fillRect/>
+            </a:stretch>
+          </p:blipFill>
+          <p:spPr bwMode="auto">
+            <a:xfrm>
+              <a:off x="4373888" y="5524773"/>
+              <a:ext cx="540000" cy="540000"/>
+            </a:xfrm>
+            <a:prstGeom prst="rect">
+              <a:avLst/>
+            </a:prstGeom>
+            <a:noFill/>
+            <a:extLst>
+              <a:ext uri="{909E8E84-426E-40DD-AFC4-6F175D3DCCD1}">
+                <a14:hiddenFill xmlns:a14="http://schemas.microsoft.com/office/drawing/2010/main">
+                  <a:solidFill>
+                    <a:srgbClr val="FFFFFF"/>
+                  </a:solidFill>
+                </a14:hiddenFill>
+              </a:ext>
+            </a:extLst>
+          </p:spPr>
+        </p:pic>
+      </p:grpSp>
+      <p:pic>
+        <p:nvPicPr>
+          <p:cNvPr id="112" name="Picture 4" descr="C:\Users\Dominik\Studium\single7.png">
+            <a:extLst>
+              <a:ext uri="{FF2B5EF4-FFF2-40B4-BE49-F238E27FC236}">
+                <a16:creationId xmlns:a16="http://schemas.microsoft.com/office/drawing/2014/main" id="{B799E65C-DDFE-4318-B24B-FFDD96893798}"/>
+              </a:ext>
+            </a:extLst>
+          </p:cNvPr>
+          <p:cNvPicPr>
+            <a:picLocks noChangeAspect="1" noChangeArrowheads="1"/>
+          </p:cNvPicPr>
+          <p:nvPr/>
+        </p:nvPicPr>
+        <p:blipFill>
+          <a:blip r:embed="rId3">
+            <a:extLst>
+              <a:ext uri="{28A0092B-C50C-407E-A947-70E740481C1C}">
+                <a14:useLocalDpi xmlns:a14="http://schemas.microsoft.com/office/drawing/2010/main" val="0"/>
+              </a:ext>
+            </a:extLst>
+          </a:blip>
+          <a:srcRect/>
+          <a:stretch>
+            <a:fillRect/>
+          </a:stretch>
+        </p:blipFill>
+        <p:spPr bwMode="auto">
+          <a:xfrm>
+            <a:off x="8791209" y="4077072"/>
+            <a:ext cx="1386424" cy="1386424"/>
+          </a:xfrm>
+          <a:prstGeom prst="rect">
+            <a:avLst/>
+          </a:prstGeom>
+          <a:noFill/>
+          <a:extLst>
+            <a:ext uri="{909E8E84-426E-40DD-AFC4-6F175D3DCCD1}">
+              <a14:hiddenFill xmlns:a14="http://schemas.microsoft.com/office/drawing/2010/main">
+                <a:solidFill>
+                  <a:srgbClr val="FFFFFF"/>
+                </a:solidFill>
+              </a14:hiddenFill>
+            </a:ext>
+          </a:extLst>
+        </p:spPr>
+      </p:pic>
+      <p:cxnSp>
+        <p:nvCxnSpPr>
+          <p:cNvPr id="113" name="Gerade Verbindung 5">
+            <a:extLst>
+              <a:ext uri="{FF2B5EF4-FFF2-40B4-BE49-F238E27FC236}">
+                <a16:creationId xmlns:a16="http://schemas.microsoft.com/office/drawing/2014/main" id="{86A58A00-5B76-428C-A03B-3EEFDE75111E}"/>
+              </a:ext>
+            </a:extLst>
+          </p:cNvPr>
+          <p:cNvCxnSpPr>
+            <a:stCxn id="110" idx="1"/>
+          </p:cNvCxnSpPr>
+          <p:nvPr/>
+        </p:nvCxnSpPr>
+        <p:spPr>
+          <a:xfrm flipH="1">
+            <a:off x="8791209" y="2618880"/>
+            <a:ext cx="36424" cy="2394296"/>
+          </a:xfrm>
+          <a:prstGeom prst="line">
+            <a:avLst/>
+          </a:prstGeom>
+          <a:ln w="28575">
+            <a:solidFill>
+              <a:srgbClr val="FF0000"/>
+            </a:solidFill>
+            <a:prstDash val="sysDot"/>
+          </a:ln>
+        </p:spPr>
+        <p:style>
+          <a:lnRef idx="1">
+            <a:schemeClr val="accent1"/>
+          </a:lnRef>
+          <a:fillRef idx="0">
+            <a:schemeClr val="accent1"/>
+          </a:fillRef>
+          <a:effectRef idx="0">
+            <a:schemeClr val="accent1"/>
+          </a:effectRef>
+          <a:fontRef idx="minor">
+            <a:schemeClr val="tx1"/>
+          </a:fontRef>
+        </p:style>
+      </p:cxnSp>
+      <p:cxnSp>
+        <p:nvCxnSpPr>
+          <p:cNvPr id="114" name="Gerade Verbindung 10">
+            <a:extLst>
+              <a:ext uri="{FF2B5EF4-FFF2-40B4-BE49-F238E27FC236}">
+                <a16:creationId xmlns:a16="http://schemas.microsoft.com/office/drawing/2014/main" id="{B73DECA5-C532-4359-873E-750230F103B4}"/>
+              </a:ext>
+            </a:extLst>
+          </p:cNvPr>
+          <p:cNvCxnSpPr>
+            <a:stCxn id="110" idx="3"/>
+          </p:cNvCxnSpPr>
+          <p:nvPr/>
+        </p:nvCxnSpPr>
+        <p:spPr>
+          <a:xfrm>
+            <a:off x="9367633" y="2618880"/>
+            <a:ext cx="918192" cy="2394296"/>
+          </a:xfrm>
+          <a:prstGeom prst="line">
+            <a:avLst/>
+          </a:prstGeom>
+          <a:ln w="28575">
+            <a:solidFill>
+              <a:srgbClr val="FF0000"/>
+            </a:solidFill>
+            <a:prstDash val="sysDot"/>
+          </a:ln>
+        </p:spPr>
+        <p:style>
+          <a:lnRef idx="1">
+            <a:schemeClr val="accent1"/>
+          </a:lnRef>
+          <a:fillRef idx="0">
+            <a:schemeClr val="accent1"/>
+          </a:fillRef>
+          <a:effectRef idx="0">
+            <a:schemeClr val="accent1"/>
+          </a:effectRef>
+          <a:fontRef idx="minor">
+            <a:schemeClr val="tx1"/>
+          </a:fontRef>
+        </p:style>
+      </p:cxnSp>
+      <p:cxnSp>
+        <p:nvCxnSpPr>
+          <p:cNvPr id="115" name="Gerade Verbindung 13">
+            <a:extLst>
+              <a:ext uri="{FF2B5EF4-FFF2-40B4-BE49-F238E27FC236}">
+                <a16:creationId xmlns:a16="http://schemas.microsoft.com/office/drawing/2014/main" id="{6283845A-82D6-408F-9CC0-EFA9B668FC66}"/>
+              </a:ext>
+            </a:extLst>
+          </p:cNvPr>
+          <p:cNvCxnSpPr>
+            <a:stCxn id="111" idx="1"/>
+          </p:cNvCxnSpPr>
+          <p:nvPr/>
+        </p:nvCxnSpPr>
+        <p:spPr>
+          <a:xfrm flipH="1">
+            <a:off x="8701649" y="2618880"/>
+            <a:ext cx="935984" cy="2394296"/>
+          </a:xfrm>
+          <a:prstGeom prst="line">
+            <a:avLst/>
+          </a:prstGeom>
+          <a:ln w="28575">
+            <a:solidFill>
+              <a:srgbClr val="0070C0"/>
+            </a:solidFill>
+            <a:prstDash val="sysDot"/>
+          </a:ln>
+        </p:spPr>
+        <p:style>
+          <a:lnRef idx="1">
+            <a:schemeClr val="accent1"/>
+          </a:lnRef>
+          <a:fillRef idx="0">
+            <a:schemeClr val="accent1"/>
+          </a:fillRef>
+          <a:effectRef idx="0">
+            <a:schemeClr val="accent1"/>
+          </a:effectRef>
+          <a:fontRef idx="minor">
+            <a:schemeClr val="tx1"/>
+          </a:fontRef>
+        </p:style>
+      </p:cxnSp>
+      <p:cxnSp>
+        <p:nvCxnSpPr>
+          <p:cNvPr id="116" name="Gerade Verbindung 16">
+            <a:extLst>
+              <a:ext uri="{FF2B5EF4-FFF2-40B4-BE49-F238E27FC236}">
+                <a16:creationId xmlns:a16="http://schemas.microsoft.com/office/drawing/2014/main" id="{9DB3AFBA-2758-4035-95A9-CAB28BB3343D}"/>
+              </a:ext>
+            </a:extLst>
+          </p:cNvPr>
+          <p:cNvCxnSpPr>
+            <a:stCxn id="111" idx="3"/>
+          </p:cNvCxnSpPr>
+          <p:nvPr/>
+        </p:nvCxnSpPr>
+        <p:spPr>
+          <a:xfrm>
+            <a:off x="10177633" y="2618880"/>
+            <a:ext cx="0" cy="2394296"/>
+          </a:xfrm>
+          <a:prstGeom prst="line">
+            <a:avLst/>
+          </a:prstGeom>
+          <a:ln w="28575">
+            <a:solidFill>
+              <a:srgbClr val="0070C0"/>
+            </a:solidFill>
+            <a:prstDash val="sysDot"/>
+          </a:ln>
+        </p:spPr>
+        <p:style>
+          <a:lnRef idx="1">
+            <a:schemeClr val="accent1"/>
+          </a:lnRef>
+          <a:fillRef idx="0">
+            <a:schemeClr val="accent1"/>
+          </a:fillRef>
+          <a:effectRef idx="0">
+            <a:schemeClr val="accent1"/>
+          </a:effectRef>
+          <a:fontRef idx="minor">
+            <a:schemeClr val="tx1"/>
+          </a:fontRef>
+        </p:style>
+      </p:cxnSp>
+      <p:sp>
+        <p:nvSpPr>
+          <p:cNvPr id="117" name="Inhaltsplatzhalter 2">
+            <a:extLst>
+              <a:ext uri="{FF2B5EF4-FFF2-40B4-BE49-F238E27FC236}">
+                <a16:creationId xmlns:a16="http://schemas.microsoft.com/office/drawing/2014/main" id="{1BB358FB-8772-4312-B51D-E2DD8C40ACE8}"/>
+              </a:ext>
+            </a:extLst>
+          </p:cNvPr>
           <p:cNvSpPr>
             <a:spLocks noGrp="1"/>
           </p:cNvSpPr>
@@ -6319,19 +6702,96 @@
             <p:ph idx="1"/>
           </p:nvPr>
         </p:nvSpPr>
-        <p:spPr/>
-        <p:txBody>
-          <a:bodyPr/>
+        <p:spPr>
+          <a:xfrm>
+            <a:off x="1069847" y="2470036"/>
+            <a:ext cx="7008923" cy="3138912"/>
+          </a:xfrm>
+        </p:spPr>
+        <p:txBody>
+          <a:bodyPr>
+            <a:noAutofit/>
+          </a:bodyPr>
           <a:lstStyle/>
           <a:p>
-            <a:endParaRPr lang="en-GB"/>
+            <a:r>
+              <a:rPr lang="de-DE" dirty="0">
+                <a:ea typeface="Segoe UI" panose="020B0502040204020203" pitchFamily="34" charset="0"/>
+                <a:cs typeface="Segoe UI" panose="020B0502040204020203" pitchFamily="34" charset="0"/>
+              </a:rPr>
+              <a:t>Gleichzeitige Wahrnehmung der Umgebung aus zwei verschiedenen Blickwinkeln</a:t>
+            </a:r>
+          </a:p>
+          <a:p>
+            <a:pPr lvl="1">
+              <a:buFont typeface="Lucida Sans Unicode" panose="020B0602030504020204" pitchFamily="34" charset="0"/>
+              <a:buChar char="⇒"/>
+            </a:pPr>
+            <a:r>
+              <a:rPr lang="de-DE" sz="2000" dirty="0">
+                <a:solidFill>
+                  <a:schemeClr val="tx1"/>
+                </a:solidFill>
+                <a:ea typeface="Segoe UI" panose="020B0502040204020203" pitchFamily="34" charset="0"/>
+                <a:cs typeface="Segoe UI" panose="020B0502040204020203" pitchFamily="34" charset="0"/>
+              </a:rPr>
+              <a:t>Räumliches Sehen</a:t>
+            </a:r>
+          </a:p>
+          <a:p>
+            <a:pPr lvl="1">
+              <a:buFont typeface="Lucida Sans Unicode" panose="020B0602030504020204" pitchFamily="34" charset="0"/>
+              <a:buChar char="⇒"/>
+            </a:pPr>
+            <a:endParaRPr lang="de-DE" sz="2000" dirty="0">
+              <a:solidFill>
+                <a:schemeClr val="tx1"/>
+              </a:solidFill>
+              <a:ea typeface="Segoe UI" panose="020B0502040204020203" pitchFamily="34" charset="0"/>
+              <a:cs typeface="Segoe UI" panose="020B0502040204020203" pitchFamily="34" charset="0"/>
+            </a:endParaRPr>
+          </a:p>
+          <a:p>
+            <a:r>
+              <a:rPr lang="de-DE" dirty="0">
+                <a:ea typeface="Segoe UI" panose="020B0502040204020203" pitchFamily="34" charset="0"/>
+                <a:cs typeface="Segoe UI" panose="020B0502040204020203" pitchFamily="34" charset="0"/>
+              </a:rPr>
+              <a:t>Tiefeneindruck erfordert zwei Bildkanäle</a:t>
+            </a:r>
+          </a:p>
+          <a:p>
+            <a:pPr lvl="1"/>
+            <a:r>
+              <a:rPr lang="de-DE" sz="2000" dirty="0">
+                <a:solidFill>
+                  <a:schemeClr val="tx1"/>
+                </a:solidFill>
+                <a:ea typeface="Segoe UI" panose="020B0502040204020203" pitchFamily="34" charset="0"/>
+                <a:cs typeface="Segoe UI" panose="020B0502040204020203" pitchFamily="34" charset="0"/>
+              </a:rPr>
+              <a:t>Bildkanäle müssen getrennt und entsprechendem Auge zugeordnet werden</a:t>
+            </a:r>
+          </a:p>
+          <a:p>
+            <a:pPr lvl="1"/>
+            <a:r>
+              <a:rPr lang="de-DE" sz="2000" dirty="0">
+                <a:solidFill>
+                  <a:schemeClr val="tx1"/>
+                </a:solidFill>
+                <a:ea typeface="Segoe UI" panose="020B0502040204020203" pitchFamily="34" charset="0"/>
+                <a:cs typeface="Segoe UI" panose="020B0502040204020203" pitchFamily="34" charset="0"/>
+              </a:rPr>
+              <a:t>Darstellung des Gesamtbilds auf derselben Projektionsfläche</a:t>
+            </a:r>
           </a:p>
         </p:txBody>
       </p:sp>
     </p:spTree>
     <p:extLst>
       <p:ext uri="{BB962C8B-B14F-4D97-AF65-F5344CB8AC3E}">
-        <p14:creationId xmlns:p14="http://schemas.microsoft.com/office/powerpoint/2010/main" val="3501331320"/>
+        <p14:creationId xmlns:p14="http://schemas.microsoft.com/office/powerpoint/2010/main" val="2909004494"/>
       </p:ext>
     </p:extLst>
   </p:cSld>
@@ -6363,7 +6823,7 @@
           <p:cNvPr id="2" name="Titel 1">
             <a:extLst>
               <a:ext uri="{FF2B5EF4-FFF2-40B4-BE49-F238E27FC236}">
-                <a16:creationId xmlns:a16="http://schemas.microsoft.com/office/drawing/2014/main" id="{D132B23F-2730-4542-BA9C-A51A2175FBBF}"/>
+                <a16:creationId xmlns:a16="http://schemas.microsoft.com/office/drawing/2014/main" id="{BB926364-7AC6-4E5B-BD89-4EC3FAF0E542}"/>
               </a:ext>
             </a:extLst>
           </p:cNvPr>
@@ -6381,45 +6841,1001 @@
           <a:p>
             <a:r>
               <a:rPr lang="de-DE" dirty="0"/>
-              <a:t>Prinzip der Stereoskopischen </a:t>
-            </a:r>
-            <a:r>
-              <a:rPr lang="de-DE" dirty="0" err="1"/>
-              <a:t>projektion</a:t>
+              <a:t>Systemaufbau</a:t>
             </a:r>
             <a:endParaRPr lang="en-GB" dirty="0"/>
           </a:p>
         </p:txBody>
       </p:sp>
-      <p:sp>
-        <p:nvSpPr>
-          <p:cNvPr id="3" name="Inhaltsplatzhalter 2">
+      <p:grpSp>
+        <p:nvGrpSpPr>
+          <p:cNvPr id="4" name="Gruppieren 3">
             <a:extLst>
               <a:ext uri="{FF2B5EF4-FFF2-40B4-BE49-F238E27FC236}">
-                <a16:creationId xmlns:a16="http://schemas.microsoft.com/office/drawing/2014/main" id="{94EB8AB6-8E34-4BC7-B394-070ED27EEA91}"/>
+                <a16:creationId xmlns:a16="http://schemas.microsoft.com/office/drawing/2014/main" id="{FA889709-5158-4607-9E89-052C8A1B3CB3}"/>
               </a:ext>
             </a:extLst>
           </p:cNvPr>
-          <p:cNvSpPr>
-            <a:spLocks noGrp="1"/>
-          </p:cNvSpPr>
-          <p:nvPr>
-            <p:ph idx="1"/>
-          </p:nvPr>
-        </p:nvSpPr>
-        <p:spPr/>
-        <p:txBody>
-          <a:bodyPr/>
+          <p:cNvGrpSpPr/>
+          <p:nvPr/>
+        </p:nvGrpSpPr>
+        <p:grpSpPr>
+          <a:xfrm>
+            <a:off x="7960369" y="1989074"/>
+            <a:ext cx="3053081" cy="234877"/>
+            <a:chOff x="3563888" y="5524771"/>
+            <a:chExt cx="6842891" cy="540001"/>
+          </a:xfrm>
+        </p:grpSpPr>
+        <p:pic>
+          <p:nvPicPr>
+            <p:cNvPr id="5" name="Picture 2" descr="C:\Users\Dominik\Studium\view24.png">
+              <a:extLst>
+                <a:ext uri="{FF2B5EF4-FFF2-40B4-BE49-F238E27FC236}">
+                  <a16:creationId xmlns:a16="http://schemas.microsoft.com/office/drawing/2014/main" id="{E4C6BEA0-1646-4098-8EE5-D0124771B5C7}"/>
+                </a:ext>
+              </a:extLst>
+            </p:cNvPr>
+            <p:cNvPicPr>
+              <a:picLocks noChangeAspect="1" noChangeArrowheads="1"/>
+            </p:cNvPicPr>
+            <p:nvPr/>
+          </p:nvPicPr>
+          <p:blipFill>
+            <a:blip r:embed="rId2" cstate="print">
+              <a:extLst>
+                <a:ext uri="{28A0092B-C50C-407E-A947-70E740481C1C}">
+                  <a14:useLocalDpi xmlns:a14="http://schemas.microsoft.com/office/drawing/2010/main" val="0"/>
+                </a:ext>
+              </a:extLst>
+            </a:blip>
+            <a:srcRect/>
+            <a:stretch>
+              <a:fillRect/>
+            </a:stretch>
+          </p:blipFill>
+          <p:spPr bwMode="auto">
+            <a:xfrm>
+              <a:off x="3563888" y="5524773"/>
+              <a:ext cx="540000" cy="539999"/>
+            </a:xfrm>
+            <a:prstGeom prst="rect">
+              <a:avLst/>
+            </a:prstGeom>
+            <a:noFill/>
+            <a:extLst>
+              <a:ext uri="{909E8E84-426E-40DD-AFC4-6F175D3DCCD1}">
+                <a14:hiddenFill xmlns:a14="http://schemas.microsoft.com/office/drawing/2010/main">
+                  <a:solidFill>
+                    <a:srgbClr val="FFFFFF"/>
+                  </a:solidFill>
+                </a14:hiddenFill>
+              </a:ext>
+            </a:extLst>
+          </p:spPr>
+        </p:pic>
+        <p:pic>
+          <p:nvPicPr>
+            <p:cNvPr id="6" name="Picture 3" descr="C:\Users\Dominik\Studium\view24.png">
+              <a:extLst>
+                <a:ext uri="{FF2B5EF4-FFF2-40B4-BE49-F238E27FC236}">
+                  <a16:creationId xmlns:a16="http://schemas.microsoft.com/office/drawing/2014/main" id="{6F2821A3-A9BB-42ED-A609-26B6A680B50B}"/>
+                </a:ext>
+              </a:extLst>
+            </p:cNvPr>
+            <p:cNvPicPr>
+              <a:picLocks noChangeAspect="1" noChangeArrowheads="1"/>
+            </p:cNvPicPr>
+            <p:nvPr/>
+          </p:nvPicPr>
+          <p:blipFill>
+            <a:blip r:embed="rId2" cstate="print">
+              <a:extLst>
+                <a:ext uri="{28A0092B-C50C-407E-A947-70E740481C1C}">
+                  <a14:useLocalDpi xmlns:a14="http://schemas.microsoft.com/office/drawing/2010/main" val="0"/>
+                </a:ext>
+              </a:extLst>
+            </a:blip>
+            <a:srcRect/>
+            <a:stretch>
+              <a:fillRect/>
+            </a:stretch>
+          </p:blipFill>
+          <p:spPr bwMode="auto">
+            <a:xfrm>
+              <a:off x="9866779" y="5524771"/>
+              <a:ext cx="540000" cy="539999"/>
+            </a:xfrm>
+            <a:prstGeom prst="rect">
+              <a:avLst/>
+            </a:prstGeom>
+            <a:noFill/>
+            <a:extLst>
+              <a:ext uri="{909E8E84-426E-40DD-AFC4-6F175D3DCCD1}">
+                <a14:hiddenFill xmlns:a14="http://schemas.microsoft.com/office/drawing/2010/main">
+                  <a:solidFill>
+                    <a:srgbClr val="FFFFFF"/>
+                  </a:solidFill>
+                </a14:hiddenFill>
+              </a:ext>
+            </a:extLst>
+          </p:spPr>
+        </p:pic>
+      </p:grpSp>
+      <p:pic>
+        <p:nvPicPr>
+          <p:cNvPr id="7" name="Picture 4" descr="C:\Users\Dominik\Studium\single7.png">
+            <a:extLst>
+              <a:ext uri="{FF2B5EF4-FFF2-40B4-BE49-F238E27FC236}">
+                <a16:creationId xmlns:a16="http://schemas.microsoft.com/office/drawing/2014/main" id="{AFBC5439-B7CA-4213-B331-8AAA11E3CC44}"/>
+              </a:ext>
+            </a:extLst>
+          </p:cNvPr>
+          <p:cNvPicPr>
+            <a:picLocks noChangeAspect="1" noChangeArrowheads="1"/>
+          </p:cNvPicPr>
+          <p:nvPr/>
+        </p:nvPicPr>
+        <p:blipFill>
+          <a:blip r:embed="rId3">
+            <a:extLst>
+              <a:ext uri="{28A0092B-C50C-407E-A947-70E740481C1C}">
+                <a14:useLocalDpi xmlns:a14="http://schemas.microsoft.com/office/drawing/2010/main" val="0"/>
+              </a:ext>
+            </a:extLst>
+          </a:blip>
+          <a:srcRect/>
+          <a:stretch>
+            <a:fillRect/>
+          </a:stretch>
+        </p:blipFill>
+        <p:spPr bwMode="auto">
+          <a:xfrm>
+            <a:off x="8822777" y="3591613"/>
+            <a:ext cx="1255132" cy="1255132"/>
+          </a:xfrm>
+          <a:prstGeom prst="rect">
+            <a:avLst/>
+          </a:prstGeom>
+          <a:noFill/>
+          <a:extLst>
+            <a:ext uri="{909E8E84-426E-40DD-AFC4-6F175D3DCCD1}">
+              <a14:hiddenFill xmlns:a14="http://schemas.microsoft.com/office/drawing/2010/main">
+                <a:solidFill>
+                  <a:srgbClr val="FFFFFF"/>
+                </a:solidFill>
+              </a14:hiddenFill>
+            </a:ext>
+          </a:extLst>
+        </p:spPr>
+      </p:pic>
+      <p:cxnSp>
+        <p:nvCxnSpPr>
+          <p:cNvPr id="8" name="Gerade Verbindung 5">
+            <a:extLst>
+              <a:ext uri="{FF2B5EF4-FFF2-40B4-BE49-F238E27FC236}">
+                <a16:creationId xmlns:a16="http://schemas.microsoft.com/office/drawing/2014/main" id="{38B7F50D-C54A-41B6-A089-5A82E392EC2B}"/>
+              </a:ext>
+            </a:extLst>
+          </p:cNvPr>
+          <p:cNvCxnSpPr>
+            <a:cxnSpLocks/>
+            <a:stCxn id="5" idx="1"/>
+            <a:endCxn id="13" idx="1"/>
+          </p:cNvCxnSpPr>
+          <p:nvPr/>
+        </p:nvCxnSpPr>
+        <p:spPr>
+          <a:xfrm>
+            <a:off x="7960369" y="2106513"/>
+            <a:ext cx="1585814" cy="4256224"/>
+          </a:xfrm>
+          <a:prstGeom prst="line">
+            <a:avLst/>
+          </a:prstGeom>
+          <a:ln w="28575">
+            <a:solidFill>
+              <a:srgbClr val="FF0000"/>
+            </a:solidFill>
+            <a:prstDash val="sysDot"/>
+          </a:ln>
+        </p:spPr>
+        <p:style>
+          <a:lnRef idx="1">
+            <a:schemeClr val="accent1"/>
+          </a:lnRef>
+          <a:fillRef idx="0">
+            <a:schemeClr val="accent1"/>
+          </a:fillRef>
+          <a:effectRef idx="0">
+            <a:schemeClr val="accent1"/>
+          </a:effectRef>
+          <a:fontRef idx="minor">
+            <a:schemeClr val="tx1"/>
+          </a:fontRef>
+        </p:style>
+      </p:cxnSp>
+      <p:cxnSp>
+        <p:nvCxnSpPr>
+          <p:cNvPr id="9" name="Gerade Verbindung 10">
+            <a:extLst>
+              <a:ext uri="{FF2B5EF4-FFF2-40B4-BE49-F238E27FC236}">
+                <a16:creationId xmlns:a16="http://schemas.microsoft.com/office/drawing/2014/main" id="{45CAA59E-455F-4176-ABA6-7A2D48EBAEDE}"/>
+              </a:ext>
+            </a:extLst>
+          </p:cNvPr>
+          <p:cNvCxnSpPr>
+            <a:cxnSpLocks/>
+            <a:stCxn id="5" idx="3"/>
+            <a:endCxn id="13" idx="3"/>
+          </p:cNvCxnSpPr>
+          <p:nvPr/>
+        </p:nvCxnSpPr>
+        <p:spPr>
+          <a:xfrm>
+            <a:off x="8201300" y="2106513"/>
+            <a:ext cx="2959456" cy="2641650"/>
+          </a:xfrm>
+          <a:prstGeom prst="line">
+            <a:avLst/>
+          </a:prstGeom>
+          <a:ln w="28575">
+            <a:solidFill>
+              <a:srgbClr val="FF0000"/>
+            </a:solidFill>
+            <a:prstDash val="sysDot"/>
+          </a:ln>
+        </p:spPr>
+        <p:style>
+          <a:lnRef idx="1">
+            <a:schemeClr val="accent1"/>
+          </a:lnRef>
+          <a:fillRef idx="0">
+            <a:schemeClr val="accent1"/>
+          </a:fillRef>
+          <a:effectRef idx="0">
+            <a:schemeClr val="accent1"/>
+          </a:effectRef>
+          <a:fontRef idx="minor">
+            <a:schemeClr val="tx1"/>
+          </a:fontRef>
+        </p:style>
+      </p:cxnSp>
+      <p:cxnSp>
+        <p:nvCxnSpPr>
+          <p:cNvPr id="10" name="Gerade Verbindung 13">
+            <a:extLst>
+              <a:ext uri="{FF2B5EF4-FFF2-40B4-BE49-F238E27FC236}">
+                <a16:creationId xmlns:a16="http://schemas.microsoft.com/office/drawing/2014/main" id="{15BE8A92-DF83-4F5E-ACD2-49F610C63B38}"/>
+              </a:ext>
+            </a:extLst>
+          </p:cNvPr>
+          <p:cNvCxnSpPr>
+            <a:cxnSpLocks/>
+            <a:stCxn id="6" idx="1"/>
+            <a:endCxn id="12" idx="1"/>
+          </p:cNvCxnSpPr>
+          <p:nvPr/>
+        </p:nvCxnSpPr>
+        <p:spPr>
+          <a:xfrm flipH="1">
+            <a:off x="7676367" y="2106512"/>
+            <a:ext cx="3096152" cy="2641650"/>
+          </a:xfrm>
+          <a:prstGeom prst="line">
+            <a:avLst/>
+          </a:prstGeom>
+          <a:ln w="28575">
+            <a:solidFill>
+              <a:srgbClr val="0070C0"/>
+            </a:solidFill>
+            <a:prstDash val="sysDot"/>
+          </a:ln>
+        </p:spPr>
+        <p:style>
+          <a:lnRef idx="1">
+            <a:schemeClr val="accent1"/>
+          </a:lnRef>
+          <a:fillRef idx="0">
+            <a:schemeClr val="accent1"/>
+          </a:fillRef>
+          <a:effectRef idx="0">
+            <a:schemeClr val="accent1"/>
+          </a:effectRef>
+          <a:fontRef idx="minor">
+            <a:schemeClr val="tx1"/>
+          </a:fontRef>
+        </p:style>
+      </p:cxnSp>
+      <p:cxnSp>
+        <p:nvCxnSpPr>
+          <p:cNvPr id="11" name="Gerade Verbindung 16">
+            <a:extLst>
+              <a:ext uri="{FF2B5EF4-FFF2-40B4-BE49-F238E27FC236}">
+                <a16:creationId xmlns:a16="http://schemas.microsoft.com/office/drawing/2014/main" id="{2DE681AE-4F64-46FA-9194-0E1D6BC260CD}"/>
+              </a:ext>
+            </a:extLst>
+          </p:cNvPr>
+          <p:cNvCxnSpPr>
+            <a:cxnSpLocks/>
+            <a:stCxn id="6" idx="3"/>
+            <a:endCxn id="12" idx="3"/>
+          </p:cNvCxnSpPr>
+          <p:nvPr/>
+        </p:nvCxnSpPr>
+        <p:spPr>
+          <a:xfrm flipH="1">
+            <a:off x="9290940" y="2106512"/>
+            <a:ext cx="1722510" cy="4256224"/>
+          </a:xfrm>
+          <a:prstGeom prst="line">
+            <a:avLst/>
+          </a:prstGeom>
+          <a:ln w="28575">
+            <a:solidFill>
+              <a:srgbClr val="0070C0"/>
+            </a:solidFill>
+            <a:prstDash val="sysDot"/>
+          </a:ln>
+        </p:spPr>
+        <p:style>
+          <a:lnRef idx="1">
+            <a:schemeClr val="accent1"/>
+          </a:lnRef>
+          <a:fillRef idx="0">
+            <a:schemeClr val="accent1"/>
+          </a:fillRef>
+          <a:effectRef idx="0">
+            <a:schemeClr val="accent1"/>
+          </a:effectRef>
+          <a:fontRef idx="minor">
+            <a:schemeClr val="tx1"/>
+          </a:fontRef>
+        </p:style>
+      </p:cxnSp>
+      <p:sp>
+        <p:nvSpPr>
+          <p:cNvPr id="12" name="Rechteck 11">
+            <a:extLst>
+              <a:ext uri="{FF2B5EF4-FFF2-40B4-BE49-F238E27FC236}">
+                <a16:creationId xmlns:a16="http://schemas.microsoft.com/office/drawing/2014/main" id="{FE227137-67BB-447D-A560-BA8A2CE670FF}"/>
+              </a:ext>
+            </a:extLst>
+          </p:cNvPr>
+          <p:cNvSpPr/>
+          <p:nvPr/>
+        </p:nvSpPr>
+        <p:spPr>
+          <a:xfrm rot="2700000">
+            <a:off x="7341978" y="5374967"/>
+            <a:ext cx="2283352" cy="360963"/>
+          </a:xfrm>
+          <a:prstGeom prst="rect">
+            <a:avLst/>
+          </a:prstGeom>
+          <a:noFill/>
+        </p:spPr>
+        <p:style>
+          <a:lnRef idx="2">
+            <a:schemeClr val="accent1">
+              <a:shade val="50000"/>
+            </a:schemeClr>
+          </a:lnRef>
+          <a:fillRef idx="1">
+            <a:schemeClr val="accent1"/>
+          </a:fillRef>
+          <a:effectRef idx="0">
+            <a:schemeClr val="accent1"/>
+          </a:effectRef>
+          <a:fontRef idx="minor">
+            <a:schemeClr val="lt1"/>
+          </a:fontRef>
+        </p:style>
+        <p:txBody>
+          <a:bodyPr rtlCol="0" anchor="ctr"/>
           <a:lstStyle/>
           <a:p>
+            <a:pPr algn="ctr"/>
             <a:endParaRPr lang="en-GB"/>
+          </a:p>
+        </p:txBody>
+      </p:sp>
+      <p:sp>
+        <p:nvSpPr>
+          <p:cNvPr id="13" name="Rechteck 12">
+            <a:extLst>
+              <a:ext uri="{FF2B5EF4-FFF2-40B4-BE49-F238E27FC236}">
+                <a16:creationId xmlns:a16="http://schemas.microsoft.com/office/drawing/2014/main" id="{327DE252-508E-4DB0-80D7-DEE6F981C628}"/>
+              </a:ext>
+            </a:extLst>
+          </p:cNvPr>
+          <p:cNvSpPr/>
+          <p:nvPr/>
+        </p:nvSpPr>
+        <p:spPr>
+          <a:xfrm rot="18900000">
+            <a:off x="9211793" y="5374968"/>
+            <a:ext cx="2283352" cy="360963"/>
+          </a:xfrm>
+          <a:prstGeom prst="rect">
+            <a:avLst/>
+          </a:prstGeom>
+          <a:noFill/>
+        </p:spPr>
+        <p:style>
+          <a:lnRef idx="2">
+            <a:schemeClr val="accent1">
+              <a:shade val="50000"/>
+            </a:schemeClr>
+          </a:lnRef>
+          <a:fillRef idx="1">
+            <a:schemeClr val="accent1"/>
+          </a:fillRef>
+          <a:effectRef idx="0">
+            <a:schemeClr val="accent1"/>
+          </a:effectRef>
+          <a:fontRef idx="minor">
+            <a:schemeClr val="lt1"/>
+          </a:fontRef>
+        </p:style>
+        <p:txBody>
+          <a:bodyPr rtlCol="0" anchor="ctr"/>
+          <a:lstStyle/>
+          <a:p>
+            <a:pPr algn="ctr"/>
+            <a:endParaRPr lang="en-GB"/>
+          </a:p>
+        </p:txBody>
+      </p:sp>
+      <p:pic>
+        <p:nvPicPr>
+          <p:cNvPr id="14" name="Picture 4" descr="C:\Users\Dominik\Studium\single7.png">
+            <a:extLst>
+              <a:ext uri="{FF2B5EF4-FFF2-40B4-BE49-F238E27FC236}">
+                <a16:creationId xmlns:a16="http://schemas.microsoft.com/office/drawing/2014/main" id="{91868D41-950E-4774-AF48-17FFEEB26DD7}"/>
+              </a:ext>
+            </a:extLst>
+          </p:cNvPr>
+          <p:cNvPicPr>
+            <a:picLocks noChangeAspect="1" noChangeArrowheads="1"/>
+          </p:cNvPicPr>
+          <p:nvPr/>
+        </p:nvPicPr>
+        <p:blipFill>
+          <a:blip r:embed="rId3">
+            <a:extLst>
+              <a:ext uri="{28A0092B-C50C-407E-A947-70E740481C1C}">
+                <a14:useLocalDpi xmlns:a14="http://schemas.microsoft.com/office/drawing/2010/main" val="0"/>
+              </a:ext>
+            </a:extLst>
+          </a:blip>
+          <a:srcRect/>
+          <a:stretch>
+            <a:fillRect/>
+          </a:stretch>
+        </p:blipFill>
+        <p:spPr bwMode="auto">
+          <a:xfrm rot="2700000" flipH="1">
+            <a:off x="10179682" y="4497288"/>
+            <a:ext cx="342542" cy="2124049"/>
+          </a:xfrm>
+          <a:prstGeom prst="rect">
+            <a:avLst/>
+          </a:prstGeom>
+          <a:noFill/>
+          <a:extLst>
+            <a:ext uri="{909E8E84-426E-40DD-AFC4-6F175D3DCCD1}">
+              <a14:hiddenFill xmlns:a14="http://schemas.microsoft.com/office/drawing/2010/main">
+                <a:solidFill>
+                  <a:srgbClr val="FFFFFF"/>
+                </a:solidFill>
+              </a14:hiddenFill>
+            </a:ext>
+          </a:extLst>
+        </p:spPr>
+      </p:pic>
+      <p:pic>
+        <p:nvPicPr>
+          <p:cNvPr id="15" name="Picture 4" descr="C:\Users\Dominik\Studium\single7.png">
+            <a:extLst>
+              <a:ext uri="{FF2B5EF4-FFF2-40B4-BE49-F238E27FC236}">
+                <a16:creationId xmlns:a16="http://schemas.microsoft.com/office/drawing/2014/main" id="{72F05EE1-0921-4BC7-BCCA-BBC1D49D4B34}"/>
+              </a:ext>
+            </a:extLst>
+          </p:cNvPr>
+          <p:cNvPicPr>
+            <a:picLocks noChangeAspect="1" noChangeArrowheads="1"/>
+          </p:cNvPicPr>
+          <p:nvPr/>
+        </p:nvPicPr>
+        <p:blipFill>
+          <a:blip r:embed="rId3">
+            <a:extLst>
+              <a:ext uri="{28A0092B-C50C-407E-A947-70E740481C1C}">
+                <a14:useLocalDpi xmlns:a14="http://schemas.microsoft.com/office/drawing/2010/main" val="0"/>
+              </a:ext>
+            </a:extLst>
+          </a:blip>
+          <a:srcRect/>
+          <a:stretch>
+            <a:fillRect/>
+          </a:stretch>
+        </p:blipFill>
+        <p:spPr bwMode="auto">
+          <a:xfrm rot="18900000" flipH="1">
+            <a:off x="8304786" y="4475775"/>
+            <a:ext cx="342542" cy="2124049"/>
+          </a:xfrm>
+          <a:prstGeom prst="rect">
+            <a:avLst/>
+          </a:prstGeom>
+          <a:noFill/>
+          <a:extLst>
+            <a:ext uri="{909E8E84-426E-40DD-AFC4-6F175D3DCCD1}">
+              <a14:hiddenFill xmlns:a14="http://schemas.microsoft.com/office/drawing/2010/main">
+                <a:solidFill>
+                  <a:srgbClr val="FFFFFF"/>
+                </a:solidFill>
+              </a14:hiddenFill>
+            </a:ext>
+          </a:extLst>
+        </p:spPr>
+      </p:pic>
+      <p:grpSp>
+        <p:nvGrpSpPr>
+          <p:cNvPr id="16" name="Gruppieren 15">
+            <a:extLst>
+              <a:ext uri="{FF2B5EF4-FFF2-40B4-BE49-F238E27FC236}">
+                <a16:creationId xmlns:a16="http://schemas.microsoft.com/office/drawing/2014/main" id="{24907351-5B9B-4496-A16C-10F461257EF5}"/>
+              </a:ext>
+            </a:extLst>
+          </p:cNvPr>
+          <p:cNvGrpSpPr/>
+          <p:nvPr/>
+        </p:nvGrpSpPr>
+        <p:grpSpPr>
+          <a:xfrm>
+            <a:off x="7960369" y="2122257"/>
+            <a:ext cx="3053081" cy="234877"/>
+            <a:chOff x="3563888" y="5524771"/>
+            <a:chExt cx="6842891" cy="540001"/>
+          </a:xfrm>
+        </p:grpSpPr>
+        <p:pic>
+          <p:nvPicPr>
+            <p:cNvPr id="17" name="Picture 2" descr="C:\Users\Dominik\Studium\view24.png">
+              <a:extLst>
+                <a:ext uri="{FF2B5EF4-FFF2-40B4-BE49-F238E27FC236}">
+                  <a16:creationId xmlns:a16="http://schemas.microsoft.com/office/drawing/2014/main" id="{88A14C01-443E-4D50-9869-153D2106A205}"/>
+                </a:ext>
+              </a:extLst>
+            </p:cNvPr>
+            <p:cNvPicPr>
+              <a:picLocks noChangeAspect="1" noChangeArrowheads="1"/>
+            </p:cNvPicPr>
+            <p:nvPr/>
+          </p:nvPicPr>
+          <p:blipFill>
+            <a:blip r:embed="rId2" cstate="print">
+              <a:extLst>
+                <a:ext uri="{28A0092B-C50C-407E-A947-70E740481C1C}">
+                  <a14:useLocalDpi xmlns:a14="http://schemas.microsoft.com/office/drawing/2010/main" val="0"/>
+                </a:ext>
+              </a:extLst>
+            </a:blip>
+            <a:srcRect/>
+            <a:stretch>
+              <a:fillRect/>
+            </a:stretch>
+          </p:blipFill>
+          <p:spPr bwMode="auto">
+            <a:xfrm>
+              <a:off x="3563888" y="5524773"/>
+              <a:ext cx="540000" cy="539999"/>
+            </a:xfrm>
+            <a:prstGeom prst="rect">
+              <a:avLst/>
+            </a:prstGeom>
+            <a:noFill/>
+            <a:extLst>
+              <a:ext uri="{909E8E84-426E-40DD-AFC4-6F175D3DCCD1}">
+                <a14:hiddenFill xmlns:a14="http://schemas.microsoft.com/office/drawing/2010/main">
+                  <a:solidFill>
+                    <a:srgbClr val="FFFFFF"/>
+                  </a:solidFill>
+                </a14:hiddenFill>
+              </a:ext>
+            </a:extLst>
+          </p:spPr>
+        </p:pic>
+        <p:pic>
+          <p:nvPicPr>
+            <p:cNvPr id="18" name="Picture 3" descr="C:\Users\Dominik\Studium\view24.png">
+              <a:extLst>
+                <a:ext uri="{FF2B5EF4-FFF2-40B4-BE49-F238E27FC236}">
+                  <a16:creationId xmlns:a16="http://schemas.microsoft.com/office/drawing/2014/main" id="{9C34E548-EABD-4B7E-8F25-461EE0F07EED}"/>
+                </a:ext>
+              </a:extLst>
+            </p:cNvPr>
+            <p:cNvPicPr>
+              <a:picLocks noChangeAspect="1" noChangeArrowheads="1"/>
+            </p:cNvPicPr>
+            <p:nvPr/>
+          </p:nvPicPr>
+          <p:blipFill>
+            <a:blip r:embed="rId2" cstate="print">
+              <a:extLst>
+                <a:ext uri="{28A0092B-C50C-407E-A947-70E740481C1C}">
+                  <a14:useLocalDpi xmlns:a14="http://schemas.microsoft.com/office/drawing/2010/main" val="0"/>
+                </a:ext>
+              </a:extLst>
+            </a:blip>
+            <a:srcRect/>
+            <a:stretch>
+              <a:fillRect/>
+            </a:stretch>
+          </p:blipFill>
+          <p:spPr bwMode="auto">
+            <a:xfrm>
+              <a:off x="9866779" y="5524771"/>
+              <a:ext cx="540000" cy="539999"/>
+            </a:xfrm>
+            <a:prstGeom prst="rect">
+              <a:avLst/>
+            </a:prstGeom>
+            <a:noFill/>
+            <a:extLst>
+              <a:ext uri="{909E8E84-426E-40DD-AFC4-6F175D3DCCD1}">
+                <a14:hiddenFill xmlns:a14="http://schemas.microsoft.com/office/drawing/2010/main">
+                  <a:solidFill>
+                    <a:srgbClr val="FFFFFF"/>
+                  </a:solidFill>
+                </a14:hiddenFill>
+              </a:ext>
+            </a:extLst>
+          </p:spPr>
+        </p:pic>
+      </p:grpSp>
+      <p:cxnSp>
+        <p:nvCxnSpPr>
+          <p:cNvPr id="19" name="Gerade Verbindung 13">
+            <a:extLst>
+              <a:ext uri="{FF2B5EF4-FFF2-40B4-BE49-F238E27FC236}">
+                <a16:creationId xmlns:a16="http://schemas.microsoft.com/office/drawing/2014/main" id="{58BF4B80-6D2D-4A5E-A3F1-92D4D6DAFD4A}"/>
+              </a:ext>
+            </a:extLst>
+          </p:cNvPr>
+          <p:cNvCxnSpPr>
+            <a:cxnSpLocks/>
+            <a:stCxn id="17" idx="3"/>
+            <a:endCxn id="13" idx="3"/>
+          </p:cNvCxnSpPr>
+          <p:nvPr/>
+        </p:nvCxnSpPr>
+        <p:spPr>
+          <a:xfrm>
+            <a:off x="8201300" y="2239696"/>
+            <a:ext cx="2959456" cy="2508467"/>
+          </a:xfrm>
+          <a:prstGeom prst="line">
+            <a:avLst/>
+          </a:prstGeom>
+          <a:ln w="28575">
+            <a:solidFill>
+              <a:srgbClr val="0070C0"/>
+            </a:solidFill>
+            <a:prstDash val="sysDot"/>
+          </a:ln>
+        </p:spPr>
+        <p:style>
+          <a:lnRef idx="1">
+            <a:schemeClr val="accent1"/>
+          </a:lnRef>
+          <a:fillRef idx="0">
+            <a:schemeClr val="accent1"/>
+          </a:fillRef>
+          <a:effectRef idx="0">
+            <a:schemeClr val="accent1"/>
+          </a:effectRef>
+          <a:fontRef idx="minor">
+            <a:schemeClr val="tx1"/>
+          </a:fontRef>
+        </p:style>
+      </p:cxnSp>
+      <p:cxnSp>
+        <p:nvCxnSpPr>
+          <p:cNvPr id="20" name="Gerade Verbindung 13">
+            <a:extLst>
+              <a:ext uri="{FF2B5EF4-FFF2-40B4-BE49-F238E27FC236}">
+                <a16:creationId xmlns:a16="http://schemas.microsoft.com/office/drawing/2014/main" id="{85292F68-CCE2-45E8-8209-26E2D757723C}"/>
+              </a:ext>
+            </a:extLst>
+          </p:cNvPr>
+          <p:cNvCxnSpPr>
+            <a:cxnSpLocks/>
+            <a:stCxn id="17" idx="1"/>
+            <a:endCxn id="13" idx="1"/>
+          </p:cNvCxnSpPr>
+          <p:nvPr/>
+        </p:nvCxnSpPr>
+        <p:spPr>
+          <a:xfrm>
+            <a:off x="7960369" y="2239696"/>
+            <a:ext cx="1585814" cy="4123041"/>
+          </a:xfrm>
+          <a:prstGeom prst="line">
+            <a:avLst/>
+          </a:prstGeom>
+          <a:ln w="28575">
+            <a:solidFill>
+              <a:srgbClr val="0070C0"/>
+            </a:solidFill>
+            <a:prstDash val="sysDot"/>
+          </a:ln>
+        </p:spPr>
+        <p:style>
+          <a:lnRef idx="1">
+            <a:schemeClr val="accent1"/>
+          </a:lnRef>
+          <a:fillRef idx="0">
+            <a:schemeClr val="accent1"/>
+          </a:fillRef>
+          <a:effectRef idx="0">
+            <a:schemeClr val="accent1"/>
+          </a:effectRef>
+          <a:fontRef idx="minor">
+            <a:schemeClr val="tx1"/>
+          </a:fontRef>
+        </p:style>
+      </p:cxnSp>
+      <p:cxnSp>
+        <p:nvCxnSpPr>
+          <p:cNvPr id="21" name="Gerade Verbindung 10">
+            <a:extLst>
+              <a:ext uri="{FF2B5EF4-FFF2-40B4-BE49-F238E27FC236}">
+                <a16:creationId xmlns:a16="http://schemas.microsoft.com/office/drawing/2014/main" id="{8A712131-EB90-4D56-99D0-13FF1773B922}"/>
+              </a:ext>
+            </a:extLst>
+          </p:cNvPr>
+          <p:cNvCxnSpPr>
+            <a:cxnSpLocks/>
+            <a:stCxn id="18" idx="1"/>
+            <a:endCxn id="12" idx="1"/>
+          </p:cNvCxnSpPr>
+          <p:nvPr/>
+        </p:nvCxnSpPr>
+        <p:spPr>
+          <a:xfrm flipH="1">
+            <a:off x="7676367" y="2239695"/>
+            <a:ext cx="3096152" cy="2508467"/>
+          </a:xfrm>
+          <a:prstGeom prst="line">
+            <a:avLst/>
+          </a:prstGeom>
+          <a:ln w="28575">
+            <a:solidFill>
+              <a:srgbClr val="FF0000"/>
+            </a:solidFill>
+            <a:prstDash val="sysDot"/>
+          </a:ln>
+        </p:spPr>
+        <p:style>
+          <a:lnRef idx="1">
+            <a:schemeClr val="accent1"/>
+          </a:lnRef>
+          <a:fillRef idx="0">
+            <a:schemeClr val="accent1"/>
+          </a:fillRef>
+          <a:effectRef idx="0">
+            <a:schemeClr val="accent1"/>
+          </a:effectRef>
+          <a:fontRef idx="minor">
+            <a:schemeClr val="tx1"/>
+          </a:fontRef>
+        </p:style>
+      </p:cxnSp>
+      <p:cxnSp>
+        <p:nvCxnSpPr>
+          <p:cNvPr id="22" name="Gerade Verbindung 10">
+            <a:extLst>
+              <a:ext uri="{FF2B5EF4-FFF2-40B4-BE49-F238E27FC236}">
+                <a16:creationId xmlns:a16="http://schemas.microsoft.com/office/drawing/2014/main" id="{CBF0BB9C-28A7-4AD7-8A2F-0D9334C2FFAE}"/>
+              </a:ext>
+            </a:extLst>
+          </p:cNvPr>
+          <p:cNvCxnSpPr>
+            <a:cxnSpLocks/>
+            <a:stCxn id="18" idx="3"/>
+            <a:endCxn id="12" idx="3"/>
+          </p:cNvCxnSpPr>
+          <p:nvPr/>
+        </p:nvCxnSpPr>
+        <p:spPr>
+          <a:xfrm flipH="1">
+            <a:off x="9290940" y="2239695"/>
+            <a:ext cx="1722510" cy="4123041"/>
+          </a:xfrm>
+          <a:prstGeom prst="line">
+            <a:avLst/>
+          </a:prstGeom>
+          <a:ln w="28575">
+            <a:solidFill>
+              <a:srgbClr val="FF0000"/>
+            </a:solidFill>
+            <a:prstDash val="sysDot"/>
+          </a:ln>
+        </p:spPr>
+        <p:style>
+          <a:lnRef idx="1">
+            <a:schemeClr val="accent1"/>
+          </a:lnRef>
+          <a:fillRef idx="0">
+            <a:schemeClr val="accent1"/>
+          </a:fillRef>
+          <a:effectRef idx="0">
+            <a:schemeClr val="accent1"/>
+          </a:effectRef>
+          <a:fontRef idx="minor">
+            <a:schemeClr val="tx1"/>
+          </a:fontRef>
+        </p:style>
+      </p:cxnSp>
+      <p:sp>
+        <p:nvSpPr>
+          <p:cNvPr id="24" name="Rechteck 23">
+            <a:extLst>
+              <a:ext uri="{FF2B5EF4-FFF2-40B4-BE49-F238E27FC236}">
+                <a16:creationId xmlns:a16="http://schemas.microsoft.com/office/drawing/2014/main" id="{58602912-E86E-454B-A691-497BCEF2143C}"/>
+              </a:ext>
+            </a:extLst>
+          </p:cNvPr>
+          <p:cNvSpPr/>
+          <p:nvPr/>
+        </p:nvSpPr>
+        <p:spPr>
+          <a:xfrm>
+            <a:off x="1069847" y="1978892"/>
+            <a:ext cx="5839527" cy="2062103"/>
+          </a:xfrm>
+          <a:prstGeom prst="rect">
+            <a:avLst/>
+          </a:prstGeom>
+        </p:spPr>
+        <p:txBody>
+          <a:bodyPr wrap="square">
+            <a:spAutoFit/>
+          </a:bodyPr>
+          <a:lstStyle/>
+          <a:p>
+            <a:pPr marL="182880" lvl="0" indent="-182880" defTabSz="914400">
+              <a:lnSpc>
+                <a:spcPct val="90000"/>
+              </a:lnSpc>
+              <a:spcBef>
+                <a:spcPts val="1200"/>
+              </a:spcBef>
+              <a:buClr>
+                <a:srgbClr val="D34817">
+                  <a:lumMod val="75000"/>
+                </a:srgbClr>
+              </a:buClr>
+              <a:buSzPct val="85000"/>
+              <a:buFont typeface="Wingdings" pitchFamily="2" charset="2"/>
+              <a:buChar char="§"/>
+            </a:pPr>
+            <a:r>
+              <a:rPr lang="de-DE" sz="2000" dirty="0">
+                <a:solidFill>
+                  <a:prstClr val="black"/>
+                </a:solidFill>
+                <a:ea typeface="Segoe UI" panose="020B0502040204020203" pitchFamily="34" charset="0"/>
+                <a:cs typeface="Segoe UI" panose="020B0502040204020203" pitchFamily="34" charset="0"/>
+              </a:rPr>
+              <a:t>2 </a:t>
+            </a:r>
+            <a:r>
+              <a:rPr lang="de-DE" sz="2000" dirty="0" err="1">
+                <a:solidFill>
+                  <a:prstClr val="black"/>
+                </a:solidFill>
+                <a:ea typeface="Segoe UI" panose="020B0502040204020203" pitchFamily="34" charset="0"/>
+                <a:cs typeface="Segoe UI" panose="020B0502040204020203" pitchFamily="34" charset="0"/>
+              </a:rPr>
+              <a:t>Beamer</a:t>
+            </a:r>
+            <a:r>
+              <a:rPr lang="de-DE" sz="2000" dirty="0">
+                <a:solidFill>
+                  <a:prstClr val="black"/>
+                </a:solidFill>
+                <a:ea typeface="Segoe UI" panose="020B0502040204020203" pitchFamily="34" charset="0"/>
+                <a:cs typeface="Segoe UI" panose="020B0502040204020203" pitchFamily="34" charset="0"/>
+              </a:rPr>
+              <a:t> pro Leinwand</a:t>
+            </a:r>
+          </a:p>
+          <a:p>
+            <a:pPr marL="640080" lvl="1" indent="-182880" defTabSz="914400">
+              <a:lnSpc>
+                <a:spcPct val="90000"/>
+              </a:lnSpc>
+              <a:spcBef>
+                <a:spcPts val="1200"/>
+              </a:spcBef>
+              <a:buClr>
+                <a:srgbClr val="D34817">
+                  <a:lumMod val="75000"/>
+                </a:srgbClr>
+              </a:buClr>
+              <a:buSzPct val="85000"/>
+              <a:buFont typeface="Wingdings" pitchFamily="2" charset="2"/>
+              <a:buChar char="§"/>
+            </a:pPr>
+            <a:r>
+              <a:rPr lang="de-DE" sz="2000" dirty="0">
+                <a:solidFill>
+                  <a:prstClr val="black"/>
+                </a:solidFill>
+                <a:ea typeface="Segoe UI" panose="020B0502040204020203" pitchFamily="34" charset="0"/>
+                <a:cs typeface="Segoe UI" panose="020B0502040204020203" pitchFamily="34" charset="0"/>
+              </a:rPr>
+              <a:t>Dabei wird das Bilder der </a:t>
+            </a:r>
+            <a:r>
+              <a:rPr lang="de-DE" sz="2000" dirty="0" err="1">
+                <a:solidFill>
+                  <a:prstClr val="black"/>
+                </a:solidFill>
+                <a:ea typeface="Segoe UI" panose="020B0502040204020203" pitchFamily="34" charset="0"/>
+                <a:cs typeface="Segoe UI" panose="020B0502040204020203" pitchFamily="34" charset="0"/>
+              </a:rPr>
+              <a:t>Beamer</a:t>
+            </a:r>
+            <a:r>
+              <a:rPr lang="de-DE" sz="2000" dirty="0">
+                <a:solidFill>
+                  <a:prstClr val="black"/>
+                </a:solidFill>
+                <a:ea typeface="Segoe UI" panose="020B0502040204020203" pitchFamily="34" charset="0"/>
+                <a:cs typeface="Segoe UI" panose="020B0502040204020203" pitchFamily="34" charset="0"/>
+              </a:rPr>
+              <a:t> anders polarisiert um mit einer 3D Brille einen 3D Effekt zu erzeugen</a:t>
+            </a:r>
+          </a:p>
+          <a:p>
+            <a:pPr marL="182880" lvl="0" indent="-182880" defTabSz="914400">
+              <a:lnSpc>
+                <a:spcPct val="90000"/>
+              </a:lnSpc>
+              <a:spcBef>
+                <a:spcPts val="1200"/>
+              </a:spcBef>
+              <a:buClr>
+                <a:srgbClr val="D34817">
+                  <a:lumMod val="75000"/>
+                </a:srgbClr>
+              </a:buClr>
+              <a:buSzPct val="85000"/>
+              <a:buFont typeface="Wingdings" pitchFamily="2" charset="2"/>
+              <a:buChar char="§"/>
+            </a:pPr>
+            <a:r>
+              <a:rPr lang="de-DE" sz="2000" dirty="0">
+                <a:solidFill>
+                  <a:prstClr val="black"/>
+                </a:solidFill>
+                <a:ea typeface="Segoe UI" panose="020B0502040204020203" pitchFamily="34" charset="0"/>
+                <a:cs typeface="Segoe UI" panose="020B0502040204020203" pitchFamily="34" charset="0"/>
+              </a:rPr>
+              <a:t>2 Leinwände um ein Effekt zu erzeugen, der das Objekt im Raum schweben lässt</a:t>
+            </a:r>
           </a:p>
         </p:txBody>
       </p:sp>
     </p:spTree>
     <p:extLst>
       <p:ext uri="{BB962C8B-B14F-4D97-AF65-F5344CB8AC3E}">
-        <p14:creationId xmlns:p14="http://schemas.microsoft.com/office/powerpoint/2010/main" val="2909004494"/>
+        <p14:creationId xmlns:p14="http://schemas.microsoft.com/office/powerpoint/2010/main" val="3501331320"/>
       </p:ext>
     </p:extLst>
   </p:cSld>
@@ -6496,7 +7912,25 @@
           <a:bodyPr/>
           <a:lstStyle/>
           <a:p>
-            <a:endParaRPr lang="en-GB"/>
+            <a:r>
+              <a:rPr lang="de-DE" dirty="0"/>
+              <a:t>Kinect v2</a:t>
+            </a:r>
+          </a:p>
+          <a:p>
+            <a:r>
+              <a:rPr lang="de-DE" dirty="0"/>
+              <a:t>Erkennung der Umgebung durch unterschiedliche Reflexionseigenschaften der Oberflächen bei Infrarot Strahlung</a:t>
+            </a:r>
+          </a:p>
+          <a:p>
+            <a:r>
+              <a:rPr lang="de-DE" dirty="0"/>
+              <a:t>Kinect trennt den Körper vom Hintergrund und liefert per SDK die Koordinaten der Gelenke sowie Handformen</a:t>
+            </a:r>
+          </a:p>
+          <a:p>
+            <a:endParaRPr lang="en-GB" dirty="0"/>
           </a:p>
         </p:txBody>
       </p:sp>
@@ -6769,7 +8203,11 @@
           <a:bodyPr/>
           <a:lstStyle/>
           <a:p>
-            <a:endParaRPr lang="en-GB"/>
+            <a:r>
+              <a:rPr lang="de-DE" dirty="0"/>
+              <a:t>Wahl aufgrund fehlender Alternativen während der Planung nachvollziehbar</a:t>
+            </a:r>
+            <a:endParaRPr lang="en-GB" dirty="0"/>
           </a:p>
         </p:txBody>
       </p:sp>
@@ -7439,59 +8877,67 @@
 
 <file path=customXml/item1.xml><?xml version="1.0" encoding="utf-8"?>
 <Control xmlns="http://schemas.microsoft.com/VisualStudio/2011/storyboarding/control">
-  <Id Name="366cd925-969f-44e1-b789-354cb31b0dfd" RevisionId="87c5073a-f3d6-4c7e-a7b7-c9586eacad3b" Stencil="172d6d98-e5c9-42e9-a209-79f7a94bbd38" StencilRevisionId="00000000-0000-0000-0000-000000000000" StencilVersion="0.0"/>
+  <Id Name="System.Storyboarding.Backgrounds.WindowsPhoneLandscape" Revision="1" Stencil="System.Storyboarding.Backgrounds" StencilVersion="0.1"/>
 </Control>
 </file>
 
 <file path=customXml/item2.xml><?xml version="1.0" encoding="utf-8"?>
 <Control xmlns="http://schemas.microsoft.com/VisualStudio/2011/storyboarding/control">
-  <Id Name="System.Storyboarding.Backgrounds.WindowsPhoneLandscape" Revision="1" Stencil="System.Storyboarding.Backgrounds" StencilVersion="0.1"/>
+  <Id Name="366cd925-969f-44e1-b789-354cb31b0dfd" RevisionId="87c5073a-f3d6-4c7e-a7b7-c9586eacad3b" Stencil="172d6d98-e5c9-42e9-a209-79f7a94bbd38" StencilRevisionId="00000000-0000-0000-0000-000000000000" StencilVersion="0.0"/>
 </Control>
 </file>
 
 <file path=customXml/item3.xml><?xml version="1.0" encoding="utf-8"?>
 <Control xmlns="http://schemas.microsoft.com/VisualStudio/2011/storyboarding/control">
-  <Id Name="System.Storyboarding.Backgrounds.BrowserWindows8" Revision="1" Stencil="System.Storyboarding.Backgrounds" StencilVersion="0.1"/>
+  <Id Name="System.Storyboarding.Annotation.AnimatedRectangleCallout" Revision="1" Stencil="System.Storyboarding.Annotation" StencilVersion="0.1"/>
 </Control>
 </file>
 
 <file path=customXml/item4.xml><?xml version="1.0" encoding="utf-8"?>
 <Control xmlns="http://schemas.microsoft.com/VisualStudio/2011/storyboarding/control">
-  <Id Name="366cd925-969f-44e1-b789-354cb31b0dfd" RevisionId="87c5073a-f3d6-4c7e-a7b7-c9586eacad3b" Stencil="172d6d98-e5c9-42e9-a209-79f7a94bbd38" StencilRevisionId="00000000-0000-0000-0000-000000000000" StencilVersion="0.0"/>
+  <Id Name="600d61f4-2d09-42e6-a6db-83e260e051ae" RevisionId="3c9eb7e9-0ea7-4fb5-adc7-dcc81ff0fb36" Stencil="172d6d98-e5c9-42e9-a209-79f7a94bbd38" StencilRevisionId="00000000-0000-0000-0000-000000000000" StencilVersion="0.0"/>
 </Control>
 </file>
 
 <file path=customXml/item5.xml><?xml version="1.0" encoding="utf-8"?>
 <Control xmlns="http://schemas.microsoft.com/VisualStudio/2011/storyboarding/control">
-  <Id Name="600d61f4-2d09-42e6-a6db-83e260e051ae" RevisionId="3c9eb7e9-0ea7-4fb5-adc7-dcc81ff0fb36" Stencil="172d6d98-e5c9-42e9-a209-79f7a94bbd38" StencilRevisionId="00000000-0000-0000-0000-000000000000" StencilVersion="0.0"/>
+  <Id Name="366cd925-969f-44e1-b789-354cb31b0dfd" RevisionId="87c5073a-f3d6-4c7e-a7b7-c9586eacad3b" Stencil="172d6d98-e5c9-42e9-a209-79f7a94bbd38" StencilRevisionId="00000000-0000-0000-0000-000000000000" StencilVersion="0.0"/>
 </Control>
 </file>
 
 <file path=customXml/item6.xml><?xml version="1.0" encoding="utf-8"?>
 <Control xmlns="http://schemas.microsoft.com/VisualStudio/2011/storyboarding/control">
-  <Id Name="System.Storyboarding.Annotation.AnimatedRectangleCallout" Revision="1" Stencil="System.Storyboarding.Annotation" StencilVersion="0.1"/>
+  <Id Name="System.Storyboarding.Backgrounds.WebBrowser" Revision="1" Stencil="System.Storyboarding.Backgrounds" StencilVersion="0.1"/>
 </Control>
 </file>
 
 <file path=customXml/item7.xml><?xml version="1.0" encoding="utf-8"?>
 <Control xmlns="http://schemas.microsoft.com/VisualStudio/2011/storyboarding/control">
-  <Id Name="System.Storyboarding.Annotation.StickyNote" Revision="1" Stencil="System.Storyboarding.Annotation" StencilVersion="0.1"/>
+  <Id Name="9d9c56e0-6ca3-4298-b757-9c73dab947ac" RevisionId="993ea365-49c2-46dc-bf14-e971e460de1e" Stencil="172d6d98-e5c9-42e9-a209-79f7a94bbd38" StencilRevisionId="00000000-0000-0000-0000-000000000000" StencilVersion="0.0"/>
 </Control>
 </file>
 
 <file path=customXml/item8.xml><?xml version="1.0" encoding="utf-8"?>
 <Control xmlns="http://schemas.microsoft.com/VisualStudio/2011/storyboarding/control">
-  <Id Name="9d9c56e0-6ca3-4298-b757-9c73dab947ac" RevisionId="993ea365-49c2-46dc-bf14-e971e460de1e" Stencil="172d6d98-e5c9-42e9-a209-79f7a94bbd38" StencilRevisionId="00000000-0000-0000-0000-000000000000" StencilVersion="0.0"/>
+  <Id Name="System.Storyboarding.Backgrounds.BrowserWindows8" Revision="1" Stencil="System.Storyboarding.Backgrounds" StencilVersion="0.1"/>
 </Control>
 </file>
 
 <file path=customXml/item9.xml><?xml version="1.0" encoding="utf-8"?>
 <Control xmlns="http://schemas.microsoft.com/VisualStudio/2011/storyboarding/control">
-  <Id Name="System.Storyboarding.Backgrounds.WebBrowser" Revision="1" Stencil="System.Storyboarding.Backgrounds" StencilVersion="0.1"/>
+  <Id Name="System.Storyboarding.Annotation.StickyNote" Revision="1" Stencil="System.Storyboarding.Annotation" StencilVersion="0.1"/>
 </Control>
 </file>
 
 <file path=customXml/itemProps1.xml><?xml version="1.0" encoding="utf-8"?>
+<ds:datastoreItem xmlns:ds="http://schemas.openxmlformats.org/officeDocument/2006/customXml" ds:itemID="{5257094E-010A-47E8-9B48-B4776E37AE78}">
+  <ds:schemaRefs>
+    <ds:schemaRef ds:uri="http://schemas.microsoft.com/VisualStudio/2011/storyboarding/control"/>
+  </ds:schemaRefs>
+</ds:datastoreItem>
+</file>
+
+<file path=customXml/itemProps2.xml><?xml version="1.0" encoding="utf-8"?>
 <ds:datastoreItem xmlns:ds="http://schemas.openxmlformats.org/officeDocument/2006/customXml" ds:itemID="{D3032AE8-14A9-41E6-8BB9-4553C2FFF265}">
   <ds:schemaRefs>
     <ds:schemaRef ds:uri="http://schemas.microsoft.com/VisualStudio/2011/storyboarding/control"/>
@@ -7499,15 +8945,47 @@
 </ds:datastoreItem>
 </file>
 
-<file path=customXml/itemProps2.xml><?xml version="1.0" encoding="utf-8"?>
-<ds:datastoreItem xmlns:ds="http://schemas.openxmlformats.org/officeDocument/2006/customXml" ds:itemID="{5257094E-010A-47E8-9B48-B4776E37AE78}">
+<file path=customXml/itemProps3.xml><?xml version="1.0" encoding="utf-8"?>
+<ds:datastoreItem xmlns:ds="http://schemas.openxmlformats.org/officeDocument/2006/customXml" ds:itemID="{9C32A1AA-3B5A-406F-9FFF-7FF128092945}">
   <ds:schemaRefs>
     <ds:schemaRef ds:uri="http://schemas.microsoft.com/VisualStudio/2011/storyboarding/control"/>
   </ds:schemaRefs>
 </ds:datastoreItem>
 </file>
 
-<file path=customXml/itemProps3.xml><?xml version="1.0" encoding="utf-8"?>
+<file path=customXml/itemProps4.xml><?xml version="1.0" encoding="utf-8"?>
+<ds:datastoreItem xmlns:ds="http://schemas.openxmlformats.org/officeDocument/2006/customXml" ds:itemID="{0D4DAEC8-7379-421E-B3E8-FF083F2516E4}">
+  <ds:schemaRefs>
+    <ds:schemaRef ds:uri="http://schemas.microsoft.com/VisualStudio/2011/storyboarding/control"/>
+  </ds:schemaRefs>
+</ds:datastoreItem>
+</file>
+
+<file path=customXml/itemProps5.xml><?xml version="1.0" encoding="utf-8"?>
+<ds:datastoreItem xmlns:ds="http://schemas.openxmlformats.org/officeDocument/2006/customXml" ds:itemID="{628EAB25-F23C-4A91-8FC2-DD3A0798056D}">
+  <ds:schemaRefs>
+    <ds:schemaRef ds:uri="http://schemas.microsoft.com/VisualStudio/2011/storyboarding/control"/>
+  </ds:schemaRefs>
+</ds:datastoreItem>
+</file>
+
+<file path=customXml/itemProps6.xml><?xml version="1.0" encoding="utf-8"?>
+<ds:datastoreItem xmlns:ds="http://schemas.openxmlformats.org/officeDocument/2006/customXml" ds:itemID="{64D1ED85-74FB-4B0E-9A98-F334CB5EF0FE}">
+  <ds:schemaRefs>
+    <ds:schemaRef ds:uri="http://schemas.microsoft.com/VisualStudio/2011/storyboarding/control"/>
+  </ds:schemaRefs>
+</ds:datastoreItem>
+</file>
+
+<file path=customXml/itemProps7.xml><?xml version="1.0" encoding="utf-8"?>
+<ds:datastoreItem xmlns:ds="http://schemas.openxmlformats.org/officeDocument/2006/customXml" ds:itemID="{DE7BE20B-BA3B-4BBB-A0E8-B6D05392D5B9}">
+  <ds:schemaRefs>
+    <ds:schemaRef ds:uri="http://schemas.microsoft.com/VisualStudio/2011/storyboarding/control"/>
+  </ds:schemaRefs>
+</ds:datastoreItem>
+</file>
+
+<file path=customXml/itemProps8.xml><?xml version="1.0" encoding="utf-8"?>
 <ds:datastoreItem xmlns:ds="http://schemas.openxmlformats.org/officeDocument/2006/customXml" ds:itemID="{7A523528-FA55-4B93-9BDB-8EB5B31D6536}">
   <ds:schemaRefs>
     <ds:schemaRef ds:uri="http://schemas.microsoft.com/VisualStudio/2011/storyboarding/control"/>
@@ -7515,50 +8993,10 @@
 </ds:datastoreItem>
 </file>
 
-<file path=customXml/itemProps4.xml><?xml version="1.0" encoding="utf-8"?>
-<ds:datastoreItem xmlns:ds="http://schemas.openxmlformats.org/officeDocument/2006/customXml" ds:itemID="{628EAB25-F23C-4A91-8FC2-DD3A0798056D}">
-  <ds:schemaRefs>
-    <ds:schemaRef ds:uri="http://schemas.microsoft.com/VisualStudio/2011/storyboarding/control"/>
-  </ds:schemaRefs>
-</ds:datastoreItem>
-</file>
-
-<file path=customXml/itemProps5.xml><?xml version="1.0" encoding="utf-8"?>
-<ds:datastoreItem xmlns:ds="http://schemas.openxmlformats.org/officeDocument/2006/customXml" ds:itemID="{0D4DAEC8-7379-421E-B3E8-FF083F2516E4}">
-  <ds:schemaRefs>
-    <ds:schemaRef ds:uri="http://schemas.microsoft.com/VisualStudio/2011/storyboarding/control"/>
-  </ds:schemaRefs>
-</ds:datastoreItem>
-</file>
-
-<file path=customXml/itemProps6.xml><?xml version="1.0" encoding="utf-8"?>
-<ds:datastoreItem xmlns:ds="http://schemas.openxmlformats.org/officeDocument/2006/customXml" ds:itemID="{9C32A1AA-3B5A-406F-9FFF-7FF128092945}">
-  <ds:schemaRefs>
-    <ds:schemaRef ds:uri="http://schemas.microsoft.com/VisualStudio/2011/storyboarding/control"/>
-  </ds:schemaRefs>
-</ds:datastoreItem>
-</file>
-
-<file path=customXml/itemProps7.xml><?xml version="1.0" encoding="utf-8"?>
+<file path=customXml/itemProps9.xml><?xml version="1.0" encoding="utf-8"?>
 <ds:datastoreItem xmlns:ds="http://schemas.openxmlformats.org/officeDocument/2006/customXml" ds:itemID="{81E15FC9-20B4-41F8-81F5-243C35A05F68}">
   <ds:schemaRefs>
     <ds:schemaRef ds:uri="http://schemas.microsoft.com/VisualStudio/2011/storyboarding/control"/>
   </ds:schemaRefs>
 </ds:datastoreItem>
-</file>
-
-<file path=customXml/itemProps8.xml><?xml version="1.0" encoding="utf-8"?>
-<ds:datastoreItem xmlns:ds="http://schemas.openxmlformats.org/officeDocument/2006/customXml" ds:itemID="{DE7BE20B-BA3B-4BBB-A0E8-B6D05392D5B9}">
-  <ds:schemaRefs>
-    <ds:schemaRef ds:uri="http://schemas.microsoft.com/VisualStudio/2011/storyboarding/control"/>
-  </ds:schemaRefs>
-</ds:datastoreItem>
-</file>
-
-<file path=customXml/itemProps9.xml><?xml version="1.0" encoding="utf-8"?>
-<ds:datastoreItem xmlns:ds="http://schemas.openxmlformats.org/officeDocument/2006/customXml" ds:itemID="{64D1ED85-74FB-4B0E-9A98-F334CB5EF0FE}">
-  <ds:schemaRefs>
-    <ds:schemaRef ds:uri="http://schemas.microsoft.com/VisualStudio/2011/storyboarding/control"/>
-  </ds:schemaRefs>
-</ds:datastoreItem>
 </file>